--- a/Documents/User Manual.pptx
+++ b/Documents/User Manual.pptx
@@ -115,7 +115,7 @@
   </p:defaultTextStyle>
   <p:extLst>
     <p:ext uri="{EFAFB233-063F-42B5-8137-9DF3F51BA10A}">
-      <p15:sldGuideLst xmlns:p15="http://schemas.microsoft.com/office/powerpoint/2012/main"/>
+      <p15:sldGuideLst xmlns:p15="http://schemas.microsoft.com/office/powerpoint/2012/main" xmlns=""/>
     </p:ext>
   </p:extLst>
 </p:presentation>
@@ -347,7 +347,7 @@
           <a:p>
             <a:fld id="{664DBA54-AC06-429F-B615-C44D4419E9DD}" type="datetimeFigureOut">
               <a:rPr lang="en-US" smtClean="0"/>
-              <a:t>3/2/2015</a:t>
+              <a:t>3/23/2015</a:t>
             </a:fld>
             <a:endParaRPr lang="en-US"/>
           </a:p>
@@ -555,7 +555,7 @@
           <a:p>
             <a:fld id="{664DBA54-AC06-429F-B615-C44D4419E9DD}" type="datetimeFigureOut">
               <a:rPr lang="en-US" smtClean="0"/>
-              <a:t>3/2/2015</a:t>
+              <a:t>3/23/2015</a:t>
             </a:fld>
             <a:endParaRPr lang="en-US"/>
           </a:p>
@@ -811,7 +811,7 @@
           <a:p>
             <a:fld id="{664DBA54-AC06-429F-B615-C44D4419E9DD}" type="datetimeFigureOut">
               <a:rPr lang="en-US" smtClean="0"/>
-              <a:t>3/2/2015</a:t>
+              <a:t>3/23/2015</a:t>
             </a:fld>
             <a:endParaRPr lang="en-US"/>
           </a:p>
@@ -981,7 +981,7 @@
           <a:p>
             <a:fld id="{664DBA54-AC06-429F-B615-C44D4419E9DD}" type="datetimeFigureOut">
               <a:rPr lang="en-US" smtClean="0"/>
-              <a:t>3/2/2015</a:t>
+              <a:t>3/23/2015</a:t>
             </a:fld>
             <a:endParaRPr lang="en-US"/>
           </a:p>
@@ -1324,7 +1324,7 @@
           <a:p>
             <a:fld id="{664DBA54-AC06-429F-B615-C44D4419E9DD}" type="datetimeFigureOut">
               <a:rPr lang="en-US" smtClean="0"/>
-              <a:t>3/2/2015</a:t>
+              <a:t>3/23/2015</a:t>
             </a:fld>
             <a:endParaRPr lang="en-US"/>
           </a:p>
@@ -1599,7 +1599,7 @@
           <a:p>
             <a:fld id="{664DBA54-AC06-429F-B615-C44D4419E9DD}" type="datetimeFigureOut">
               <a:rPr lang="en-US" smtClean="0"/>
-              <a:t>3/2/2015</a:t>
+              <a:t>3/23/2015</a:t>
             </a:fld>
             <a:endParaRPr lang="en-US"/>
           </a:p>
@@ -1978,7 +1978,7 @@
           <a:p>
             <a:fld id="{664DBA54-AC06-429F-B615-C44D4419E9DD}" type="datetimeFigureOut">
               <a:rPr lang="en-US" smtClean="0"/>
-              <a:t>3/2/2015</a:t>
+              <a:t>3/23/2015</a:t>
             </a:fld>
             <a:endParaRPr lang="en-US"/>
           </a:p>
@@ -2096,7 +2096,7 @@
           <a:p>
             <a:fld id="{664DBA54-AC06-429F-B615-C44D4419E9DD}" type="datetimeFigureOut">
               <a:rPr lang="en-US" smtClean="0"/>
-              <a:t>3/2/2015</a:t>
+              <a:t>3/23/2015</a:t>
             </a:fld>
             <a:endParaRPr lang="en-US"/>
           </a:p>
@@ -2267,7 +2267,7 @@
           <a:p>
             <a:fld id="{664DBA54-AC06-429F-B615-C44D4419E9DD}" type="datetimeFigureOut">
               <a:rPr lang="en-US" smtClean="0"/>
-              <a:t>3/2/2015</a:t>
+              <a:t>3/23/2015</a:t>
             </a:fld>
             <a:endParaRPr lang="en-US"/>
           </a:p>
@@ -2621,7 +2621,7 @@
           <a:p>
             <a:fld id="{664DBA54-AC06-429F-B615-C44D4419E9DD}" type="datetimeFigureOut">
               <a:rPr lang="en-US" smtClean="0"/>
-              <a:t>3/2/2015</a:t>
+              <a:t>3/23/2015</a:t>
             </a:fld>
             <a:endParaRPr lang="en-US"/>
           </a:p>
@@ -2998,7 +2998,7 @@
           <a:p>
             <a:fld id="{664DBA54-AC06-429F-B615-C44D4419E9DD}" type="datetimeFigureOut">
               <a:rPr lang="en-US" smtClean="0"/>
-              <a:t>3/2/2015</a:t>
+              <a:t>3/23/2015</a:t>
             </a:fld>
             <a:endParaRPr lang="en-US"/>
           </a:p>
@@ -3285,7 +3285,7 @@
           <a:p>
             <a:fld id="{664DBA54-AC06-429F-B615-C44D4419E9DD}" type="datetimeFigureOut">
               <a:rPr lang="en-US" smtClean="0"/>
-              <a:t>3/2/2015</a:t>
+              <a:t>3/23/2015</a:t>
             </a:fld>
             <a:endParaRPr lang="en-US"/>
           </a:p>
@@ -4160,30 +4160,13 @@
           <a:p>
             <a:r>
               <a:rPr lang="en-US" dirty="0" smtClean="0"/>
-              <a:t>You can configure the application Smart System for Occupancy and Building Energy Control in order in to learn how to use the energy in the appropriate </a:t>
-            </a:r>
+              <a:t>You can configure the application Smart System for Occupancy and Building Energy Control in order in to learn how to use the energy in the appropriate manner.</a:t>
+            </a:r>
+          </a:p>
+          <a:p>
             <a:r>
               <a:rPr lang="en-US" dirty="0" smtClean="0"/>
-              <a:t>manner</a:t>
-            </a:r>
-            <a:r>
-              <a:rPr lang="en-US" dirty="0" smtClean="0"/>
-              <a:t>.</a:t>
-            </a:r>
-            <a:endParaRPr lang="en-US" dirty="0" smtClean="0"/>
-          </a:p>
-          <a:p>
-            <a:r>
-              <a:rPr lang="en-US" dirty="0" smtClean="0"/>
-              <a:t>This </a:t>
-            </a:r>
-            <a:r>
-              <a:rPr lang="en-US" dirty="0" smtClean="0"/>
-              <a:t>manual </a:t>
-            </a:r>
-            <a:r>
-              <a:rPr lang="en-US" dirty="0" smtClean="0"/>
-              <a:t>delivers an overview of the sample application.  Beginning with the following information:</a:t>
+              <a:t>This manual delivers an overview of the sample application.  Beginning with the following information:</a:t>
             </a:r>
           </a:p>
           <a:p>
@@ -4304,92 +4287,132 @@
           </a:p>
         </p:txBody>
       </p:sp>
+      <p:sp>
+        <p:nvSpPr>
+          <p:cNvPr id="3" name="Rectangle 2"/>
+          <p:cNvSpPr/>
+          <p:nvPr/>
+        </p:nvSpPr>
+        <p:spPr>
+          <a:xfrm>
+            <a:off x="5905841" y="3177454"/>
+            <a:ext cx="3674887" cy="1477328"/>
+          </a:xfrm>
+          <a:prstGeom prst="rect">
+            <a:avLst/>
+          </a:prstGeom>
+        </p:spPr>
+        <p:txBody>
+          <a:bodyPr wrap="square">
+            <a:spAutoFit/>
+          </a:bodyPr>
+          <a:lstStyle/>
+          <a:p>
+            <a:r>
+              <a:rPr lang="en-US" dirty="0">
+                <a:solidFill>
+                  <a:srgbClr val="000000"/>
+                </a:solidFill>
+                <a:latin typeface="Arial" panose="020B0604020202020204" pitchFamily="34" charset="0"/>
+              </a:rPr>
+              <a:t>The user is required to enter the username and password then click on the </a:t>
+            </a:r>
+            <a:r>
+              <a:rPr lang="en-US" b="1" dirty="0">
+                <a:solidFill>
+                  <a:srgbClr val="000000"/>
+                </a:solidFill>
+                <a:latin typeface="Arial" panose="020B0604020202020204" pitchFamily="34" charset="0"/>
+              </a:rPr>
+              <a:t>LOGIN</a:t>
+            </a:r>
+            <a:r>
+              <a:rPr lang="en-US" dirty="0">
+                <a:solidFill>
+                  <a:srgbClr val="000000"/>
+                </a:solidFill>
+                <a:latin typeface="Arial" panose="020B0604020202020204" pitchFamily="34" charset="0"/>
+              </a:rPr>
+              <a:t> button. </a:t>
+            </a:r>
+            <a:endParaRPr lang="en-US" dirty="0"/>
+          </a:p>
+          <a:p>
+            <a:r>
+              <a:rPr lang="en-US" dirty="0"/>
+              <a:t/>
+            </a:r>
+            <a:br>
+              <a:rPr lang="en-US" dirty="0"/>
+            </a:br>
+            <a:endParaRPr lang="en-US" dirty="0"/>
+          </a:p>
+        </p:txBody>
+      </p:sp>
       <p:pic>
         <p:nvPicPr>
-          <p:cNvPr id="4" name="Picture 3"/>
+          <p:cNvPr id="1026" name="Picture 2"/>
           <p:cNvPicPr>
-            <a:picLocks noChangeAspect="1"/>
+            <a:picLocks noChangeAspect="1" noChangeArrowheads="1"/>
           </p:cNvPicPr>
           <p:nvPr/>
         </p:nvPicPr>
         <p:blipFill>
-          <a:blip r:embed="rId2"/>
+          <a:blip r:embed="rId2">
+            <a:extLst>
+              <a:ext uri="{28A0092B-C50C-407E-A947-70E740481C1C}">
+                <a14:useLocalDpi xmlns:a14="http://schemas.microsoft.com/office/drawing/2010/main" val="0"/>
+              </a:ext>
+            </a:extLst>
+          </a:blip>
+          <a:srcRect/>
           <a:stretch>
             <a:fillRect/>
           </a:stretch>
         </p:blipFill>
-        <p:spPr>
-          <a:xfrm>
-            <a:off x="2762309" y="1915694"/>
-            <a:ext cx="2301013" cy="4323677"/>
+        <p:spPr bwMode="auto">
+          <a:xfrm>
+            <a:off x="2429302" y="1863522"/>
+            <a:ext cx="2250516" cy="4331774"/>
           </a:xfrm>
           <a:prstGeom prst="rect">
             <a:avLst/>
           </a:prstGeom>
+          <a:noFill/>
+          <a:ln>
+            <a:noFill/>
+          </a:ln>
+          <a:effectLst/>
+          <a:extLst>
+            <a:ext uri="{909E8E84-426E-40DD-AFC4-6F175D3DCCD1}">
+              <a14:hiddenFill xmlns:a14="http://schemas.microsoft.com/office/drawing/2010/main">
+                <a:solidFill>
+                  <a:schemeClr val="accent1"/>
+                </a:solidFill>
+              </a14:hiddenFill>
+            </a:ext>
+            <a:ext uri="{91240B29-F687-4F45-9708-019B960494DF}">
+              <a14:hiddenLine xmlns:a14="http://schemas.microsoft.com/office/drawing/2010/main" w="9525">
+                <a:solidFill>
+                  <a:schemeClr val="tx1"/>
+                </a:solidFill>
+                <a:miter lim="800000"/>
+                <a:headEnd/>
+                <a:tailEnd/>
+              </a14:hiddenLine>
+            </a:ext>
+            <a:ext uri="{AF507438-7753-43E0-B8FC-AC1667EBCBE1}">
+              <a14:hiddenEffects xmlns:a14="http://schemas.microsoft.com/office/drawing/2010/main">
+                <a:effectLst>
+                  <a:outerShdw dist="35921" dir="2700000" algn="ctr" rotWithShape="0">
+                    <a:schemeClr val="bg2"/>
+                  </a:outerShdw>
+                </a:effectLst>
+              </a14:hiddenEffects>
+            </a:ext>
+          </a:extLst>
         </p:spPr>
       </p:pic>
-      <p:sp>
-        <p:nvSpPr>
-          <p:cNvPr id="3" name="Rectangle 2"/>
-          <p:cNvSpPr/>
-          <p:nvPr/>
-        </p:nvSpPr>
-        <p:spPr>
-          <a:xfrm>
-            <a:off x="5905841" y="3177454"/>
-            <a:ext cx="3674887" cy="1477328"/>
-          </a:xfrm>
-          <a:prstGeom prst="rect">
-            <a:avLst/>
-          </a:prstGeom>
-        </p:spPr>
-        <p:txBody>
-          <a:bodyPr wrap="square">
-            <a:spAutoFit/>
-          </a:bodyPr>
-          <a:lstStyle/>
-          <a:p>
-            <a:r>
-              <a:rPr lang="en-US" dirty="0">
-                <a:solidFill>
-                  <a:srgbClr val="000000"/>
-                </a:solidFill>
-                <a:latin typeface="Arial" panose="020B0604020202020204" pitchFamily="34" charset="0"/>
-              </a:rPr>
-              <a:t>The user is required to enter the username and password then click on the </a:t>
-            </a:r>
-            <a:r>
-              <a:rPr lang="en-US" b="1" dirty="0">
-                <a:solidFill>
-                  <a:srgbClr val="000000"/>
-                </a:solidFill>
-                <a:latin typeface="Arial" panose="020B0604020202020204" pitchFamily="34" charset="0"/>
-              </a:rPr>
-              <a:t>LOGIN</a:t>
-            </a:r>
-            <a:r>
-              <a:rPr lang="en-US" dirty="0">
-                <a:solidFill>
-                  <a:srgbClr val="000000"/>
-                </a:solidFill>
-                <a:latin typeface="Arial" panose="020B0604020202020204" pitchFamily="34" charset="0"/>
-              </a:rPr>
-              <a:t> button. </a:t>
-            </a:r>
-            <a:endParaRPr lang="en-US" dirty="0"/>
-          </a:p>
-          <a:p>
-            <a:r>
-              <a:rPr lang="en-US" dirty="0"/>
-              <a:t/>
-            </a:r>
-            <a:br>
-              <a:rPr lang="en-US" dirty="0"/>
-            </a:br>
-            <a:endParaRPr lang="en-US" dirty="0"/>
-          </a:p>
-        </p:txBody>
-      </p:sp>
     </p:spTree>
     <p:extLst>
       <p:ext uri="{BB962C8B-B14F-4D97-AF65-F5344CB8AC3E}">
@@ -4448,110 +4471,150 @@
           </a:p>
         </p:txBody>
       </p:sp>
+      <p:sp>
+        <p:nvSpPr>
+          <p:cNvPr id="3" name="Rectangle 2"/>
+          <p:cNvSpPr/>
+          <p:nvPr/>
+        </p:nvSpPr>
+        <p:spPr>
+          <a:xfrm>
+            <a:off x="5436359" y="2938018"/>
+            <a:ext cx="4035188" cy="1754326"/>
+          </a:xfrm>
+          <a:prstGeom prst="rect">
+            <a:avLst/>
+          </a:prstGeom>
+        </p:spPr>
+        <p:txBody>
+          <a:bodyPr wrap="square">
+            <a:spAutoFit/>
+          </a:bodyPr>
+          <a:lstStyle/>
+          <a:p>
+            <a:r>
+              <a:rPr lang="en-US" dirty="0">
+                <a:solidFill>
+                  <a:srgbClr val="000000"/>
+                </a:solidFill>
+                <a:latin typeface="Arial" panose="020B0604020202020204" pitchFamily="34" charset="0"/>
+              </a:rPr>
+              <a:t>The user is required to </a:t>
+            </a:r>
+            <a:r>
+              <a:rPr lang="en-US" b="1" dirty="0" smtClean="0">
+                <a:solidFill>
+                  <a:srgbClr val="000000"/>
+                </a:solidFill>
+                <a:latin typeface="Arial" panose="020B0604020202020204" pitchFamily="34" charset="0"/>
+              </a:rPr>
+              <a:t>SELECT A ZONE </a:t>
+            </a:r>
+            <a:r>
+              <a:rPr lang="en-US" dirty="0" smtClean="0">
+                <a:solidFill>
+                  <a:srgbClr val="000000"/>
+                </a:solidFill>
+                <a:latin typeface="Arial" panose="020B0604020202020204" pitchFamily="34" charset="0"/>
+              </a:rPr>
+              <a:t>where </a:t>
+            </a:r>
+            <a:r>
+              <a:rPr lang="en-US" dirty="0">
+                <a:solidFill>
+                  <a:srgbClr val="000000"/>
+                </a:solidFill>
+                <a:latin typeface="Arial" panose="020B0604020202020204" pitchFamily="34" charset="0"/>
+              </a:rPr>
+              <a:t>he/she can see the </a:t>
+            </a:r>
+            <a:r>
+              <a:rPr lang="en-US" dirty="0" smtClean="0">
+                <a:solidFill>
+                  <a:srgbClr val="000000"/>
+                </a:solidFill>
+                <a:latin typeface="Arial" panose="020B0604020202020204" pitchFamily="34" charset="0"/>
+              </a:rPr>
+              <a:t>different options for energy performance</a:t>
+            </a:r>
+            <a:endParaRPr lang="en-US" dirty="0"/>
+          </a:p>
+          <a:p>
+            <a:r>
+              <a:rPr lang="en-US" dirty="0"/>
+              <a:t/>
+            </a:r>
+            <a:br>
+              <a:rPr lang="en-US" dirty="0"/>
+            </a:br>
+            <a:endParaRPr lang="en-US" dirty="0"/>
+          </a:p>
+        </p:txBody>
+      </p:sp>
       <p:pic>
         <p:nvPicPr>
-          <p:cNvPr id="11" name="Picture 10"/>
+          <p:cNvPr id="2051" name="Picture 3"/>
           <p:cNvPicPr>
-            <a:picLocks noChangeAspect="1"/>
+            <a:picLocks noChangeAspect="1" noChangeArrowheads="1"/>
           </p:cNvPicPr>
           <p:nvPr/>
         </p:nvPicPr>
         <p:blipFill>
-          <a:blip r:embed="rId2"/>
+          <a:blip r:embed="rId2">
+            <a:extLst>
+              <a:ext uri="{28A0092B-C50C-407E-A947-70E740481C1C}">
+                <a14:useLocalDpi xmlns:a14="http://schemas.microsoft.com/office/drawing/2010/main" val="0"/>
+              </a:ext>
+            </a:extLst>
+          </a:blip>
+          <a:srcRect/>
           <a:stretch>
             <a:fillRect/>
           </a:stretch>
         </p:blipFill>
-        <p:spPr>
-          <a:xfrm>
-            <a:off x="2434764" y="1826731"/>
-            <a:ext cx="2287365" cy="4351573"/>
+        <p:spPr bwMode="auto">
+          <a:xfrm>
+            <a:off x="2416963" y="1869741"/>
+            <a:ext cx="2293382" cy="4394581"/>
           </a:xfrm>
           <a:prstGeom prst="rect">
             <a:avLst/>
           </a:prstGeom>
+          <a:noFill/>
+          <a:ln>
+            <a:noFill/>
+          </a:ln>
+          <a:effectLst/>
+          <a:extLst>
+            <a:ext uri="{909E8E84-426E-40DD-AFC4-6F175D3DCCD1}">
+              <a14:hiddenFill xmlns:a14="http://schemas.microsoft.com/office/drawing/2010/main">
+                <a:solidFill>
+                  <a:schemeClr val="accent1"/>
+                </a:solidFill>
+              </a14:hiddenFill>
+            </a:ext>
+            <a:ext uri="{91240B29-F687-4F45-9708-019B960494DF}">
+              <a14:hiddenLine xmlns:a14="http://schemas.microsoft.com/office/drawing/2010/main" w="9525">
+                <a:solidFill>
+                  <a:schemeClr val="tx1"/>
+                </a:solidFill>
+                <a:miter lim="800000"/>
+                <a:headEnd/>
+                <a:tailEnd/>
+              </a14:hiddenLine>
+            </a:ext>
+            <a:ext uri="{AF507438-7753-43E0-B8FC-AC1667EBCBE1}">
+              <a14:hiddenEffects xmlns:a14="http://schemas.microsoft.com/office/drawing/2010/main">
+                <a:effectLst>
+                  <a:outerShdw dist="35921" dir="2700000" algn="ctr" rotWithShape="0">
+                    <a:schemeClr val="bg2"/>
+                  </a:outerShdw>
+                </a:effectLst>
+              </a14:hiddenEffects>
+            </a:ext>
+          </a:extLst>
         </p:spPr>
       </p:pic>
-      <p:sp>
-        <p:nvSpPr>
-          <p:cNvPr id="3" name="Rectangle 2"/>
-          <p:cNvSpPr/>
-          <p:nvPr/>
-        </p:nvSpPr>
-        <p:spPr>
-          <a:xfrm>
-            <a:off x="5436359" y="2938018"/>
-            <a:ext cx="4035188" cy="1754326"/>
-          </a:xfrm>
-          <a:prstGeom prst="rect">
-            <a:avLst/>
-          </a:prstGeom>
-        </p:spPr>
-        <p:txBody>
-          <a:bodyPr wrap="square">
-            <a:spAutoFit/>
-          </a:bodyPr>
-          <a:lstStyle/>
-          <a:p>
-            <a:r>
-              <a:rPr lang="en-US" dirty="0">
-                <a:solidFill>
-                  <a:srgbClr val="000000"/>
-                </a:solidFill>
-                <a:latin typeface="Arial" panose="020B0604020202020204" pitchFamily="34" charset="0"/>
-              </a:rPr>
-              <a:t>The user is required to </a:t>
-            </a:r>
-            <a:r>
-              <a:rPr lang="en-US" b="1" dirty="0" smtClean="0">
-                <a:solidFill>
-                  <a:srgbClr val="000000"/>
-                </a:solidFill>
-                <a:latin typeface="Arial" panose="020B0604020202020204" pitchFamily="34" charset="0"/>
-              </a:rPr>
-              <a:t>SELECT A ZONE </a:t>
-            </a:r>
-            <a:r>
-              <a:rPr lang="en-US" dirty="0" smtClean="0">
-                <a:solidFill>
-                  <a:srgbClr val="000000"/>
-                </a:solidFill>
-                <a:latin typeface="Arial" panose="020B0604020202020204" pitchFamily="34" charset="0"/>
-              </a:rPr>
-              <a:t>where </a:t>
-            </a:r>
-            <a:r>
-              <a:rPr lang="en-US" dirty="0">
-                <a:solidFill>
-                  <a:srgbClr val="000000"/>
-                </a:solidFill>
-                <a:latin typeface="Arial" panose="020B0604020202020204" pitchFamily="34" charset="0"/>
-              </a:rPr>
-              <a:t>he/she can see the </a:t>
-            </a:r>
-            <a:r>
-              <a:rPr lang="en-US" dirty="0" smtClean="0">
-                <a:solidFill>
-                  <a:srgbClr val="000000"/>
-                </a:solidFill>
-                <a:latin typeface="Arial" panose="020B0604020202020204" pitchFamily="34" charset="0"/>
-              </a:rPr>
-              <a:t>different options for energy performance</a:t>
-            </a:r>
-            <a:endParaRPr lang="en-US" dirty="0"/>
-          </a:p>
-          <a:p>
-            <a:r>
-              <a:rPr lang="en-US" dirty="0"/>
-              <a:t/>
-            </a:r>
-            <a:br>
-              <a:rPr lang="en-US" dirty="0"/>
-            </a:br>
-            <a:endParaRPr lang="en-US" dirty="0"/>
-          </a:p>
-        </p:txBody>
-      </p:sp>
     </p:spTree>
     <p:extLst>
       <p:ext uri="{BB962C8B-B14F-4D97-AF65-F5344CB8AC3E}">
@@ -4605,101 +4668,141 @@
           </a:p>
         </p:txBody>
       </p:sp>
+      <p:sp>
+        <p:nvSpPr>
+          <p:cNvPr id="5" name="Rectangle 4"/>
+          <p:cNvSpPr/>
+          <p:nvPr/>
+        </p:nvSpPr>
+        <p:spPr>
+          <a:xfrm>
+            <a:off x="5905841" y="3177454"/>
+            <a:ext cx="4070672" cy="1754326"/>
+          </a:xfrm>
+          <a:prstGeom prst="rect">
+            <a:avLst/>
+          </a:prstGeom>
+        </p:spPr>
+        <p:txBody>
+          <a:bodyPr wrap="square">
+            <a:spAutoFit/>
+          </a:bodyPr>
+          <a:lstStyle/>
+          <a:p>
+            <a:r>
+              <a:rPr lang="en-US" dirty="0">
+                <a:solidFill>
+                  <a:srgbClr val="000000"/>
+                </a:solidFill>
+                <a:latin typeface="Arial" panose="020B0604020202020204" pitchFamily="34" charset="0"/>
+              </a:rPr>
+              <a:t>The user is required to </a:t>
+            </a:r>
+            <a:r>
+              <a:rPr lang="en-US" dirty="0" smtClean="0">
+                <a:solidFill>
+                  <a:srgbClr val="000000"/>
+                </a:solidFill>
+                <a:latin typeface="Arial" panose="020B0604020202020204" pitchFamily="34" charset="0"/>
+              </a:rPr>
+              <a:t>make a selection  in </a:t>
+            </a:r>
+            <a:r>
+              <a:rPr lang="en-US" b="1" dirty="0" smtClean="0">
+                <a:solidFill>
+                  <a:srgbClr val="000000"/>
+                </a:solidFill>
+                <a:latin typeface="Arial" panose="020B0604020202020204" pitchFamily="34" charset="0"/>
+              </a:rPr>
+              <a:t>ZONES DESCRIPTION </a:t>
+            </a:r>
+            <a:r>
+              <a:rPr lang="en-US" dirty="0" smtClean="0">
+                <a:solidFill>
+                  <a:srgbClr val="000000"/>
+                </a:solidFill>
+                <a:latin typeface="Arial" panose="020B0604020202020204" pitchFamily="34" charset="0"/>
+              </a:rPr>
+              <a:t>to see Temperature, Occupancy, Plug Load, and/or Artificial Lighting.</a:t>
+            </a:r>
+            <a:endParaRPr lang="en-US" dirty="0"/>
+          </a:p>
+          <a:p>
+            <a:r>
+              <a:rPr lang="en-US" dirty="0"/>
+              <a:t/>
+            </a:r>
+            <a:br>
+              <a:rPr lang="en-US" dirty="0"/>
+            </a:br>
+            <a:endParaRPr lang="en-US" dirty="0"/>
+          </a:p>
+        </p:txBody>
+      </p:sp>
       <p:pic>
         <p:nvPicPr>
-          <p:cNvPr id="3" name="Picture 2"/>
+          <p:cNvPr id="3075" name="Picture 3"/>
           <p:cNvPicPr>
-            <a:picLocks noChangeAspect="1"/>
+            <a:picLocks noChangeAspect="1" noChangeArrowheads="1"/>
           </p:cNvPicPr>
           <p:nvPr/>
         </p:nvPicPr>
         <p:blipFill>
-          <a:blip r:embed="rId2"/>
+          <a:blip r:embed="rId2">
+            <a:extLst>
+              <a:ext uri="{28A0092B-C50C-407E-A947-70E740481C1C}">
+                <a14:useLocalDpi xmlns:a14="http://schemas.microsoft.com/office/drawing/2010/main" val="0"/>
+              </a:ext>
+            </a:extLst>
+          </a:blip>
+          <a:srcRect/>
           <a:stretch>
             <a:fillRect/>
           </a:stretch>
         </p:blipFill>
-        <p:spPr>
-          <a:xfrm>
-            <a:off x="2363194" y="1826731"/>
-            <a:ext cx="2335758" cy="4407801"/>
+        <p:spPr bwMode="auto">
+          <a:xfrm>
+            <a:off x="2426517" y="1852969"/>
+            <a:ext cx="2322904" cy="4440468"/>
           </a:xfrm>
           <a:prstGeom prst="rect">
             <a:avLst/>
           </a:prstGeom>
+          <a:noFill/>
+          <a:ln>
+            <a:noFill/>
+          </a:ln>
+          <a:effectLst/>
+          <a:extLst>
+            <a:ext uri="{909E8E84-426E-40DD-AFC4-6F175D3DCCD1}">
+              <a14:hiddenFill xmlns:a14="http://schemas.microsoft.com/office/drawing/2010/main">
+                <a:solidFill>
+                  <a:schemeClr val="accent1"/>
+                </a:solidFill>
+              </a14:hiddenFill>
+            </a:ext>
+            <a:ext uri="{91240B29-F687-4F45-9708-019B960494DF}">
+              <a14:hiddenLine xmlns:a14="http://schemas.microsoft.com/office/drawing/2010/main" w="9525">
+                <a:solidFill>
+                  <a:schemeClr val="tx1"/>
+                </a:solidFill>
+                <a:miter lim="800000"/>
+                <a:headEnd/>
+                <a:tailEnd/>
+              </a14:hiddenLine>
+            </a:ext>
+            <a:ext uri="{AF507438-7753-43E0-B8FC-AC1667EBCBE1}">
+              <a14:hiddenEffects xmlns:a14="http://schemas.microsoft.com/office/drawing/2010/main">
+                <a:effectLst>
+                  <a:outerShdw dist="35921" dir="2700000" algn="ctr" rotWithShape="0">
+                    <a:schemeClr val="bg2"/>
+                  </a:outerShdw>
+                </a:effectLst>
+              </a14:hiddenEffects>
+            </a:ext>
+          </a:extLst>
         </p:spPr>
       </p:pic>
-      <p:sp>
-        <p:nvSpPr>
-          <p:cNvPr id="5" name="Rectangle 4"/>
-          <p:cNvSpPr/>
-          <p:nvPr/>
-        </p:nvSpPr>
-        <p:spPr>
-          <a:xfrm>
-            <a:off x="5905841" y="3177454"/>
-            <a:ext cx="4070672" cy="1754326"/>
-          </a:xfrm>
-          <a:prstGeom prst="rect">
-            <a:avLst/>
-          </a:prstGeom>
-        </p:spPr>
-        <p:txBody>
-          <a:bodyPr wrap="square">
-            <a:spAutoFit/>
-          </a:bodyPr>
-          <a:lstStyle/>
-          <a:p>
-            <a:r>
-              <a:rPr lang="en-US" dirty="0">
-                <a:solidFill>
-                  <a:srgbClr val="000000"/>
-                </a:solidFill>
-                <a:latin typeface="Arial" panose="020B0604020202020204" pitchFamily="34" charset="0"/>
-              </a:rPr>
-              <a:t>The user is required to </a:t>
-            </a:r>
-            <a:r>
-              <a:rPr lang="en-US" dirty="0" smtClean="0">
-                <a:solidFill>
-                  <a:srgbClr val="000000"/>
-                </a:solidFill>
-                <a:latin typeface="Arial" panose="020B0604020202020204" pitchFamily="34" charset="0"/>
-              </a:rPr>
-              <a:t>make a selection  in </a:t>
-            </a:r>
-            <a:r>
-              <a:rPr lang="en-US" b="1" dirty="0" smtClean="0">
-                <a:solidFill>
-                  <a:srgbClr val="000000"/>
-                </a:solidFill>
-                <a:latin typeface="Arial" panose="020B0604020202020204" pitchFamily="34" charset="0"/>
-              </a:rPr>
-              <a:t>ZONES DESCRIPTION </a:t>
-            </a:r>
-            <a:r>
-              <a:rPr lang="en-US" dirty="0" smtClean="0">
-                <a:solidFill>
-                  <a:srgbClr val="000000"/>
-                </a:solidFill>
-                <a:latin typeface="Arial" panose="020B0604020202020204" pitchFamily="34" charset="0"/>
-              </a:rPr>
-              <a:t>to see Temperature, Occupancy, Plug Load, and/or Artificial Lighting.</a:t>
-            </a:r>
-            <a:endParaRPr lang="en-US" dirty="0"/>
-          </a:p>
-          <a:p>
-            <a:r>
-              <a:rPr lang="en-US" dirty="0"/>
-              <a:t/>
-            </a:r>
-            <a:br>
-              <a:rPr lang="en-US" dirty="0"/>
-            </a:br>
-            <a:endParaRPr lang="en-US" dirty="0"/>
-          </a:p>
-        </p:txBody>
-      </p:sp>
     </p:spTree>
     <p:extLst>
       <p:ext uri="{BB962C8B-B14F-4D97-AF65-F5344CB8AC3E}">
@@ -4919,109 +5022,147 @@
           </a:p>
         </p:txBody>
       </p:sp>
+      <p:sp>
+        <p:nvSpPr>
+          <p:cNvPr id="4" name="Rectangle 3"/>
+          <p:cNvSpPr/>
+          <p:nvPr/>
+        </p:nvSpPr>
+        <p:spPr>
+          <a:xfrm>
+            <a:off x="5559188" y="3045459"/>
+            <a:ext cx="4403678" cy="1508105"/>
+          </a:xfrm>
+          <a:prstGeom prst="rect">
+            <a:avLst/>
+          </a:prstGeom>
+        </p:spPr>
+        <p:txBody>
+          <a:bodyPr wrap="square">
+            <a:spAutoFit/>
+          </a:bodyPr>
+          <a:lstStyle/>
+          <a:p>
+            <a:r>
+              <a:rPr lang="en-US" dirty="0">
+                <a:solidFill>
+                  <a:srgbClr val="000000"/>
+                </a:solidFill>
+                <a:latin typeface="Arial" panose="020B0604020202020204" pitchFamily="34" charset="0"/>
+              </a:rPr>
+              <a:t>The user can see the </a:t>
+            </a:r>
+            <a:r>
+              <a:rPr lang="en-US" b="1" dirty="0" smtClean="0">
+                <a:solidFill>
+                  <a:srgbClr val="000000"/>
+                </a:solidFill>
+                <a:latin typeface="Arial" panose="020B0604020202020204" pitchFamily="34" charset="0"/>
+              </a:rPr>
+              <a:t>OCCUPANCY</a:t>
+            </a:r>
+            <a:r>
+              <a:rPr lang="en-US" dirty="0" smtClean="0">
+                <a:solidFill>
+                  <a:srgbClr val="000000"/>
+                </a:solidFill>
+                <a:latin typeface="Arial" panose="020B0604020202020204" pitchFamily="34" charset="0"/>
+              </a:rPr>
+              <a:t> </a:t>
+            </a:r>
+            <a:r>
+              <a:rPr lang="en-US" dirty="0">
+                <a:solidFill>
+                  <a:srgbClr val="000000"/>
+                </a:solidFill>
+                <a:latin typeface="Arial" panose="020B0604020202020204" pitchFamily="34" charset="0"/>
+              </a:rPr>
+              <a:t>of one specific zone that had a previous selection and he/she is enable to make </a:t>
+            </a:r>
+            <a:r>
+              <a:rPr lang="en-US" sz="2000" b="1" dirty="0">
+                <a:solidFill>
+                  <a:srgbClr val="000000"/>
+                </a:solidFill>
+                <a:latin typeface="Arial" panose="020B0604020202020204" pitchFamily="34" charset="0"/>
+              </a:rPr>
+              <a:t>REFRESH</a:t>
+            </a:r>
+            <a:r>
+              <a:rPr lang="en-US" dirty="0">
+                <a:solidFill>
+                  <a:srgbClr val="000000"/>
+                </a:solidFill>
+                <a:latin typeface="Arial" panose="020B0604020202020204" pitchFamily="34" charset="0"/>
+              </a:rPr>
+              <a:t> in order to have always update it is information.</a:t>
+            </a:r>
+            <a:endParaRPr lang="en-US" dirty="0"/>
+          </a:p>
+        </p:txBody>
+      </p:sp>
       <p:pic>
         <p:nvPicPr>
-          <p:cNvPr id="3" name="Picture 2"/>
+          <p:cNvPr id="4098" name="Picture 2"/>
           <p:cNvPicPr>
-            <a:picLocks noChangeAspect="1"/>
+            <a:picLocks noChangeAspect="1" noChangeArrowheads="1"/>
           </p:cNvPicPr>
           <p:nvPr/>
         </p:nvPicPr>
-        <p:blipFill>
-          <a:blip r:embed="rId2"/>
-          <a:stretch>
-            <a:fillRect/>
-          </a:stretch>
+        <p:blipFill rotWithShape="1">
+          <a:blip r:embed="rId2">
+            <a:extLst>
+              <a:ext uri="{28A0092B-C50C-407E-A947-70E740481C1C}">
+                <a14:useLocalDpi xmlns:a14="http://schemas.microsoft.com/office/drawing/2010/main" val="0"/>
+              </a:ext>
+            </a:extLst>
+          </a:blip>
+          <a:srcRect l="4091" r="69686" b="8955"/>
+          <a:stretch/>
         </p:blipFill>
-        <p:spPr>
-          <a:xfrm>
-            <a:off x="2407474" y="1872873"/>
-            <a:ext cx="2287365" cy="4338535"/>
+        <p:spPr bwMode="auto">
+          <a:xfrm>
+            <a:off x="2251881" y="1947916"/>
+            <a:ext cx="2197288" cy="4289107"/>
           </a:xfrm>
           <a:prstGeom prst="rect">
             <a:avLst/>
           </a:prstGeom>
+          <a:noFill/>
+          <a:ln>
+            <a:noFill/>
+          </a:ln>
+          <a:effectLst/>
+          <a:extLst>
+            <a:ext uri="{909E8E84-426E-40DD-AFC4-6F175D3DCCD1}">
+              <a14:hiddenFill xmlns:a14="http://schemas.microsoft.com/office/drawing/2010/main">
+                <a:solidFill>
+                  <a:schemeClr val="accent1"/>
+                </a:solidFill>
+              </a14:hiddenFill>
+            </a:ext>
+            <a:ext uri="{91240B29-F687-4F45-9708-019B960494DF}">
+              <a14:hiddenLine xmlns:a14="http://schemas.microsoft.com/office/drawing/2010/main" w="9525">
+                <a:solidFill>
+                  <a:schemeClr val="tx1"/>
+                </a:solidFill>
+                <a:miter lim="800000"/>
+                <a:headEnd/>
+                <a:tailEnd/>
+              </a14:hiddenLine>
+            </a:ext>
+            <a:ext uri="{AF507438-7753-43E0-B8FC-AC1667EBCBE1}">
+              <a14:hiddenEffects xmlns:a14="http://schemas.microsoft.com/office/drawing/2010/main">
+                <a:effectLst>
+                  <a:outerShdw dist="35921" dir="2700000" algn="ctr" rotWithShape="0">
+                    <a:schemeClr val="bg2"/>
+                  </a:outerShdw>
+                </a:effectLst>
+              </a14:hiddenEffects>
+            </a:ext>
+          </a:extLst>
         </p:spPr>
       </p:pic>
-      <p:sp>
-        <p:nvSpPr>
-          <p:cNvPr id="4" name="Rectangle 3"/>
-          <p:cNvSpPr/>
-          <p:nvPr/>
-        </p:nvSpPr>
-        <p:spPr>
-          <a:xfrm>
-            <a:off x="5559188" y="3045459"/>
-            <a:ext cx="4403678" cy="1508105"/>
-          </a:xfrm>
-          <a:prstGeom prst="rect">
-            <a:avLst/>
-          </a:prstGeom>
-        </p:spPr>
-        <p:txBody>
-          <a:bodyPr wrap="square">
-            <a:spAutoFit/>
-          </a:bodyPr>
-          <a:lstStyle/>
-          <a:p>
-            <a:r>
-              <a:rPr lang="en-US" dirty="0">
-                <a:solidFill>
-                  <a:srgbClr val="000000"/>
-                </a:solidFill>
-                <a:latin typeface="Arial" panose="020B0604020202020204" pitchFamily="34" charset="0"/>
-              </a:rPr>
-              <a:t>The user can see the </a:t>
-            </a:r>
-            <a:r>
-              <a:rPr lang="en-US" b="1" dirty="0" smtClean="0">
-                <a:solidFill>
-                  <a:srgbClr val="000000"/>
-                </a:solidFill>
-                <a:latin typeface="Arial" panose="020B0604020202020204" pitchFamily="34" charset="0"/>
-              </a:rPr>
-              <a:t>OCCUPANCY</a:t>
-            </a:r>
-            <a:r>
-              <a:rPr lang="en-US" dirty="0" smtClean="0">
-                <a:solidFill>
-                  <a:srgbClr val="000000"/>
-                </a:solidFill>
-                <a:latin typeface="Arial" panose="020B0604020202020204" pitchFamily="34" charset="0"/>
-              </a:rPr>
-              <a:t> </a:t>
-            </a:r>
-            <a:r>
-              <a:rPr lang="en-US" dirty="0">
-                <a:solidFill>
-                  <a:srgbClr val="000000"/>
-                </a:solidFill>
-                <a:latin typeface="Arial" panose="020B0604020202020204" pitchFamily="34" charset="0"/>
-              </a:rPr>
-              <a:t>of one specific zone that had a previous selection and he/she is enable to make </a:t>
-            </a:r>
-            <a:r>
-              <a:rPr lang="en-US" sz="2000" b="1" dirty="0">
-                <a:solidFill>
-                  <a:srgbClr val="000000"/>
-                </a:solidFill>
-                <a:latin typeface="Arial" panose="020B0604020202020204" pitchFamily="34" charset="0"/>
-              </a:rPr>
-              <a:t>REFRESH</a:t>
-            </a:r>
-            <a:r>
-              <a:rPr lang="en-US" dirty="0">
-                <a:solidFill>
-                  <a:srgbClr val="000000"/>
-                </a:solidFill>
-                <a:latin typeface="Arial" panose="020B0604020202020204" pitchFamily="34" charset="0"/>
-              </a:rPr>
-              <a:t> in order to have always update it is information.</a:t>
-            </a:r>
-            <a:endParaRPr lang="en-US" dirty="0"/>
-          </a:p>
-        </p:txBody>
-      </p:sp>
     </p:spTree>
     <p:extLst>
       <p:ext uri="{BB962C8B-B14F-4D97-AF65-F5344CB8AC3E}">
@@ -5390,7 +5531,7 @@
     </a:clrScheme>
     <a:fontScheme name="Retrospect">
       <a:majorFont>
-        <a:latin typeface="Calibri Light" panose="020F0302020204030204"/>
+        <a:latin typeface="Calibri Light"/>
         <a:ea typeface=""/>
         <a:cs typeface=""/>
         <a:font script="Jpan" typeface="ＭＳ Ｐゴシック"/>
@@ -5425,7 +5566,7 @@
         <a:font script="Geor" typeface="Sylfaen"/>
       </a:majorFont>
       <a:minorFont>
-        <a:latin typeface="Calibri" panose="020F0502020204030204"/>
+        <a:latin typeface="Calibri"/>
         <a:ea typeface=""/>
         <a:cs typeface=""/>
         <a:font script="Jpan" typeface="ＭＳ Ｐゴシック"/>
@@ -5624,7 +5765,7 @@
   <a:extraClrSchemeLst/>
   <a:extLst>
     <a:ext uri="{05A4C25C-085E-4340-85A3-A5531E510DB2}">
-      <thm15:themeFamily xmlns:thm15="http://schemas.microsoft.com/office/thememl/2012/main" name="Retrospect" id="{5F128B03-DCCA-4EEB-AB3B-CF2899314A46}" vid="{9CC26709-368C-4D72-9060-94E5B3FF3CD6}"/>
+      <thm15:themeFamily xmlns:thm15="http://schemas.microsoft.com/office/thememl/2012/main" xmlns="" name="Retrospect" id="{5F128B03-DCCA-4EEB-AB3B-CF2899314A46}" vid="{9CC26709-368C-4D72-9060-94E5B3FF3CD6}"/>
     </a:ext>
   </a:extLst>
 </a:theme>

--- a/Documents/User Manual.pptx
+++ b/Documents/User Manual.pptx
@@ -115,7 +115,18 @@
   </p:defaultTextStyle>
   <p:extLst>
     <p:ext uri="{EFAFB233-063F-42B5-8137-9DF3F51BA10A}">
-      <p15:sldGuideLst xmlns:p15="http://schemas.microsoft.com/office/powerpoint/2012/main" xmlns=""/>
+      <p15:sldGuideLst xmlns:p15="http://schemas.microsoft.com/office/powerpoint/2012/main">
+        <p15:guide id="1" orient="horz" pos="2160">
+          <p15:clr>
+            <a:srgbClr val="A4A3A4"/>
+          </p15:clr>
+        </p15:guide>
+        <p15:guide id="2" pos="3840">
+          <p15:clr>
+            <a:srgbClr val="A4A3A4"/>
+          </p15:clr>
+        </p15:guide>
+      </p15:sldGuideLst>
     </p:ext>
   </p:extLst>
 </p:presentation>
@@ -3954,6 +3965,13 @@
   <p:clrMapOvr>
     <a:masterClrMapping/>
   </p:clrMapOvr>
+  <p:timing>
+    <p:tnLst>
+      <p:par>
+        <p:cTn id="1" dur="indefinite" restart="never" nodeType="tmRoot"/>
+      </p:par>
+    </p:tnLst>
+  </p:timing>
 </p:sld>
 </file>
 
@@ -4244,6 +4262,13 @@
   <p:clrMapOvr>
     <a:masterClrMapping/>
   </p:clrMapOvr>
+  <p:timing>
+    <p:tnLst>
+      <p:par>
+        <p:cTn id="1" dur="indefinite" restart="never" nodeType="tmRoot"/>
+      </p:par>
+    </p:tnLst>
+  </p:timing>
 </p:sld>
 </file>
 
@@ -5765,7 +5790,7 @@
   <a:extraClrSchemeLst/>
   <a:extLst>
     <a:ext uri="{05A4C25C-085E-4340-85A3-A5531E510DB2}">
-      <thm15:themeFamily xmlns:thm15="http://schemas.microsoft.com/office/thememl/2012/main" xmlns="" name="Retrospect" id="{5F128B03-DCCA-4EEB-AB3B-CF2899314A46}" vid="{9CC26709-368C-4D72-9060-94E5B3FF3CD6}"/>
+      <thm15:themeFamily xmlns:thm15="http://schemas.microsoft.com/office/thememl/2012/main" name="Retrospect" id="{5F128B03-DCCA-4EEB-AB3B-CF2899314A46}" vid="{9CC26709-368C-4D72-9060-94E5B3FF3CD6}"/>
     </a:ext>
   </a:extLst>
 </a:theme>

--- a/Documents/User Manual.pptx
+++ b/Documents/User Manual.pptx
@@ -358,7 +358,7 @@
           <a:p>
             <a:fld id="{664DBA54-AC06-429F-B615-C44D4419E9DD}" type="datetimeFigureOut">
               <a:rPr lang="en-US" smtClean="0"/>
-              <a:t>3/23/2015</a:t>
+              <a:t>4/20/2015</a:t>
             </a:fld>
             <a:endParaRPr lang="en-US"/>
           </a:p>
@@ -566,7 +566,7 @@
           <a:p>
             <a:fld id="{664DBA54-AC06-429F-B615-C44D4419E9DD}" type="datetimeFigureOut">
               <a:rPr lang="en-US" smtClean="0"/>
-              <a:t>3/23/2015</a:t>
+              <a:t>4/20/2015</a:t>
             </a:fld>
             <a:endParaRPr lang="en-US"/>
           </a:p>
@@ -822,7 +822,7 @@
           <a:p>
             <a:fld id="{664DBA54-AC06-429F-B615-C44D4419E9DD}" type="datetimeFigureOut">
               <a:rPr lang="en-US" smtClean="0"/>
-              <a:t>3/23/2015</a:t>
+              <a:t>4/20/2015</a:t>
             </a:fld>
             <a:endParaRPr lang="en-US"/>
           </a:p>
@@ -992,7 +992,7 @@
           <a:p>
             <a:fld id="{664DBA54-AC06-429F-B615-C44D4419E9DD}" type="datetimeFigureOut">
               <a:rPr lang="en-US" smtClean="0"/>
-              <a:t>3/23/2015</a:t>
+              <a:t>4/20/2015</a:t>
             </a:fld>
             <a:endParaRPr lang="en-US"/>
           </a:p>
@@ -1335,7 +1335,7 @@
           <a:p>
             <a:fld id="{664DBA54-AC06-429F-B615-C44D4419E9DD}" type="datetimeFigureOut">
               <a:rPr lang="en-US" smtClean="0"/>
-              <a:t>3/23/2015</a:t>
+              <a:t>4/20/2015</a:t>
             </a:fld>
             <a:endParaRPr lang="en-US"/>
           </a:p>
@@ -1610,7 +1610,7 @@
           <a:p>
             <a:fld id="{664DBA54-AC06-429F-B615-C44D4419E9DD}" type="datetimeFigureOut">
               <a:rPr lang="en-US" smtClean="0"/>
-              <a:t>3/23/2015</a:t>
+              <a:t>4/20/2015</a:t>
             </a:fld>
             <a:endParaRPr lang="en-US"/>
           </a:p>
@@ -1989,7 +1989,7 @@
           <a:p>
             <a:fld id="{664DBA54-AC06-429F-B615-C44D4419E9DD}" type="datetimeFigureOut">
               <a:rPr lang="en-US" smtClean="0"/>
-              <a:t>3/23/2015</a:t>
+              <a:t>4/20/2015</a:t>
             </a:fld>
             <a:endParaRPr lang="en-US"/>
           </a:p>
@@ -2107,7 +2107,7 @@
           <a:p>
             <a:fld id="{664DBA54-AC06-429F-B615-C44D4419E9DD}" type="datetimeFigureOut">
               <a:rPr lang="en-US" smtClean="0"/>
-              <a:t>3/23/2015</a:t>
+              <a:t>4/20/2015</a:t>
             </a:fld>
             <a:endParaRPr lang="en-US"/>
           </a:p>
@@ -2278,7 +2278,7 @@
           <a:p>
             <a:fld id="{664DBA54-AC06-429F-B615-C44D4419E9DD}" type="datetimeFigureOut">
               <a:rPr lang="en-US" smtClean="0"/>
-              <a:t>3/23/2015</a:t>
+              <a:t>4/20/2015</a:t>
             </a:fld>
             <a:endParaRPr lang="en-US"/>
           </a:p>
@@ -2632,7 +2632,7 @@
           <a:p>
             <a:fld id="{664DBA54-AC06-429F-B615-C44D4419E9DD}" type="datetimeFigureOut">
               <a:rPr lang="en-US" smtClean="0"/>
-              <a:t>3/23/2015</a:t>
+              <a:t>4/20/2015</a:t>
             </a:fld>
             <a:endParaRPr lang="en-US"/>
           </a:p>
@@ -3009,7 +3009,7 @@
           <a:p>
             <a:fld id="{664DBA54-AC06-429F-B615-C44D4419E9DD}" type="datetimeFigureOut">
               <a:rPr lang="en-US" smtClean="0"/>
-              <a:t>3/23/2015</a:t>
+              <a:t>4/20/2015</a:t>
             </a:fld>
             <a:endParaRPr lang="en-US"/>
           </a:p>
@@ -3296,7 +3296,7 @@
           <a:p>
             <a:fld id="{664DBA54-AC06-429F-B615-C44D4419E9DD}" type="datetimeFigureOut">
               <a:rPr lang="en-US" smtClean="0"/>
-              <a:t>3/23/2015</a:t>
+              <a:t>4/20/2015</a:t>
             </a:fld>
             <a:endParaRPr lang="en-US"/>
           </a:p>
@@ -4578,66 +4578,32 @@
       </p:sp>
       <p:pic>
         <p:nvPicPr>
-          <p:cNvPr id="2051" name="Picture 3"/>
+          <p:cNvPr id="4" name="Picture 3"/>
           <p:cNvPicPr>
-            <a:picLocks noChangeAspect="1" noChangeArrowheads="1"/>
+            <a:picLocks noChangeAspect="1"/>
           </p:cNvPicPr>
           <p:nvPr/>
         </p:nvPicPr>
         <p:blipFill>
-          <a:blip r:embed="rId2">
+          <a:blip r:embed="rId2" cstate="print">
             <a:extLst>
               <a:ext uri="{28A0092B-C50C-407E-A947-70E740481C1C}">
                 <a14:useLocalDpi xmlns:a14="http://schemas.microsoft.com/office/drawing/2010/main" val="0"/>
               </a:ext>
             </a:extLst>
           </a:blip>
-          <a:srcRect/>
           <a:stretch>
             <a:fillRect/>
           </a:stretch>
         </p:blipFill>
-        <p:spPr bwMode="auto">
-          <a:xfrm>
-            <a:off x="2416963" y="1869741"/>
-            <a:ext cx="2293382" cy="4394581"/>
+        <p:spPr>
+          <a:xfrm>
+            <a:off x="2401170" y="1885024"/>
+            <a:ext cx="2588564" cy="4141703"/>
           </a:xfrm>
           <a:prstGeom prst="rect">
             <a:avLst/>
           </a:prstGeom>
-          <a:noFill/>
-          <a:ln>
-            <a:noFill/>
-          </a:ln>
-          <a:effectLst/>
-          <a:extLst>
-            <a:ext uri="{909E8E84-426E-40DD-AFC4-6F175D3DCCD1}">
-              <a14:hiddenFill xmlns:a14="http://schemas.microsoft.com/office/drawing/2010/main">
-                <a:solidFill>
-                  <a:schemeClr val="accent1"/>
-                </a:solidFill>
-              </a14:hiddenFill>
-            </a:ext>
-            <a:ext uri="{91240B29-F687-4F45-9708-019B960494DF}">
-              <a14:hiddenLine xmlns:a14="http://schemas.microsoft.com/office/drawing/2010/main" w="9525">
-                <a:solidFill>
-                  <a:schemeClr val="tx1"/>
-                </a:solidFill>
-                <a:miter lim="800000"/>
-                <a:headEnd/>
-                <a:tailEnd/>
-              </a14:hiddenLine>
-            </a:ext>
-            <a:ext uri="{AF507438-7753-43E0-B8FC-AC1667EBCBE1}">
-              <a14:hiddenEffects xmlns:a14="http://schemas.microsoft.com/office/drawing/2010/main">
-                <a:effectLst>
-                  <a:outerShdw dist="35921" dir="2700000" algn="ctr" rotWithShape="0">
-                    <a:schemeClr val="bg2"/>
-                  </a:outerShdw>
-                </a:effectLst>
-              </a14:hiddenEffects>
-            </a:ext>
-          </a:extLst>
         </p:spPr>
       </p:pic>
     </p:spTree>
@@ -4766,66 +4732,32 @@
       </p:sp>
       <p:pic>
         <p:nvPicPr>
-          <p:cNvPr id="3075" name="Picture 3"/>
+          <p:cNvPr id="3" name="Picture 2"/>
           <p:cNvPicPr>
-            <a:picLocks noChangeAspect="1" noChangeArrowheads="1"/>
+            <a:picLocks noChangeAspect="1"/>
           </p:cNvPicPr>
           <p:nvPr/>
         </p:nvPicPr>
         <p:blipFill>
-          <a:blip r:embed="rId2">
+          <a:blip r:embed="rId2" cstate="print">
             <a:extLst>
               <a:ext uri="{28A0092B-C50C-407E-A947-70E740481C1C}">
                 <a14:useLocalDpi xmlns:a14="http://schemas.microsoft.com/office/drawing/2010/main" val="0"/>
               </a:ext>
             </a:extLst>
           </a:blip>
-          <a:srcRect/>
           <a:stretch>
             <a:fillRect/>
           </a:stretch>
         </p:blipFill>
-        <p:spPr bwMode="auto">
-          <a:xfrm>
-            <a:off x="2426517" y="1852969"/>
-            <a:ext cx="2322904" cy="4440468"/>
+        <p:spPr>
+          <a:xfrm>
+            <a:off x="2484294" y="1904889"/>
+            <a:ext cx="2687160" cy="4299455"/>
           </a:xfrm>
           <a:prstGeom prst="rect">
             <a:avLst/>
           </a:prstGeom>
-          <a:noFill/>
-          <a:ln>
-            <a:noFill/>
-          </a:ln>
-          <a:effectLst/>
-          <a:extLst>
-            <a:ext uri="{909E8E84-426E-40DD-AFC4-6F175D3DCCD1}">
-              <a14:hiddenFill xmlns:a14="http://schemas.microsoft.com/office/drawing/2010/main">
-                <a:solidFill>
-                  <a:schemeClr val="accent1"/>
-                </a:solidFill>
-              </a14:hiddenFill>
-            </a:ext>
-            <a:ext uri="{91240B29-F687-4F45-9708-019B960494DF}">
-              <a14:hiddenLine xmlns:a14="http://schemas.microsoft.com/office/drawing/2010/main" w="9525">
-                <a:solidFill>
-                  <a:schemeClr val="tx1"/>
-                </a:solidFill>
-                <a:miter lim="800000"/>
-                <a:headEnd/>
-                <a:tailEnd/>
-              </a14:hiddenLine>
-            </a:ext>
-            <a:ext uri="{AF507438-7753-43E0-B8FC-AC1667EBCBE1}">
-              <a14:hiddenEffects xmlns:a14="http://schemas.microsoft.com/office/drawing/2010/main">
-                <a:effectLst>
-                  <a:outerShdw dist="35921" dir="2700000" algn="ctr" rotWithShape="0">
-                    <a:schemeClr val="bg2"/>
-                  </a:outerShdw>
-                </a:effectLst>
-              </a14:hiddenEffects>
-            </a:ext>
-          </a:extLst>
         </p:spPr>
       </p:pic>
     </p:spTree>
@@ -4881,119 +4813,125 @@
           </a:p>
         </p:txBody>
       </p:sp>
+      <p:sp>
+        <p:nvSpPr>
+          <p:cNvPr id="4" name="Rectangle 3"/>
+          <p:cNvSpPr/>
+          <p:nvPr/>
+        </p:nvSpPr>
+        <p:spPr>
+          <a:xfrm>
+            <a:off x="6054602" y="2921334"/>
+            <a:ext cx="4016081" cy="2339102"/>
+          </a:xfrm>
+          <a:prstGeom prst="rect">
+            <a:avLst/>
+          </a:prstGeom>
+        </p:spPr>
+        <p:txBody>
+          <a:bodyPr wrap="square">
+            <a:spAutoFit/>
+          </a:bodyPr>
+          <a:lstStyle/>
+          <a:p>
+            <a:r>
+              <a:rPr lang="en-US" dirty="0">
+                <a:solidFill>
+                  <a:srgbClr val="000000"/>
+                </a:solidFill>
+                <a:latin typeface="Arial" panose="020B0604020202020204" pitchFamily="34" charset="0"/>
+              </a:rPr>
+              <a:t>The user </a:t>
+            </a:r>
+            <a:r>
+              <a:rPr lang="en-US" dirty="0" smtClean="0">
+                <a:solidFill>
+                  <a:srgbClr val="000000"/>
+                </a:solidFill>
+                <a:latin typeface="Arial" panose="020B0604020202020204" pitchFamily="34" charset="0"/>
+              </a:rPr>
+              <a:t>can see the </a:t>
+            </a:r>
+            <a:r>
+              <a:rPr lang="en-US" b="1" dirty="0" smtClean="0">
+                <a:solidFill>
+                  <a:srgbClr val="000000"/>
+                </a:solidFill>
+                <a:latin typeface="Arial" panose="020B0604020202020204" pitchFamily="34" charset="0"/>
+              </a:rPr>
+              <a:t>TEMPERATURE</a:t>
+            </a:r>
+            <a:r>
+              <a:rPr lang="en-US" dirty="0" smtClean="0">
+                <a:solidFill>
+                  <a:srgbClr val="000000"/>
+                </a:solidFill>
+                <a:latin typeface="Arial" panose="020B0604020202020204" pitchFamily="34" charset="0"/>
+              </a:rPr>
+              <a:t> of one specific zone that had a previous selection and he/she is enable to make </a:t>
+            </a:r>
+            <a:r>
+              <a:rPr lang="en-US" sz="2000" b="1" dirty="0" smtClean="0">
+                <a:solidFill>
+                  <a:srgbClr val="000000"/>
+                </a:solidFill>
+                <a:latin typeface="Arial" panose="020B0604020202020204" pitchFamily="34" charset="0"/>
+              </a:rPr>
+              <a:t>REFRESH</a:t>
+            </a:r>
+            <a:r>
+              <a:rPr lang="en-US" dirty="0" smtClean="0">
+                <a:solidFill>
+                  <a:srgbClr val="000000"/>
+                </a:solidFill>
+                <a:latin typeface="Arial" panose="020B0604020202020204" pitchFamily="34" charset="0"/>
+              </a:rPr>
+              <a:t> in order to be able to always update the information.</a:t>
+            </a:r>
+            <a:endParaRPr lang="en-US" dirty="0"/>
+          </a:p>
+          <a:p>
+            <a:r>
+              <a:rPr lang="en-US" dirty="0"/>
+              <a:t/>
+            </a:r>
+            <a:br>
+              <a:rPr lang="en-US" dirty="0"/>
+            </a:br>
+            <a:endParaRPr lang="en-US" dirty="0"/>
+          </a:p>
+        </p:txBody>
+      </p:sp>
       <p:pic>
         <p:nvPicPr>
-          <p:cNvPr id="3" name="Picture 2"/>
+          <p:cNvPr id="5" name="Picture 4"/>
           <p:cNvPicPr>
             <a:picLocks noChangeAspect="1"/>
           </p:cNvPicPr>
           <p:nvPr/>
         </p:nvPicPr>
         <p:blipFill>
-          <a:blip r:embed="rId2"/>
+          <a:blip r:embed="rId2" cstate="print">
+            <a:extLst>
+              <a:ext uri="{28A0092B-C50C-407E-A947-70E740481C1C}">
+                <a14:useLocalDpi xmlns:a14="http://schemas.microsoft.com/office/drawing/2010/main" val="0"/>
+              </a:ext>
+            </a:extLst>
+          </a:blip>
           <a:stretch>
             <a:fillRect/>
           </a:stretch>
         </p:blipFill>
         <p:spPr>
           <a:xfrm>
-            <a:off x="2421907" y="1892648"/>
-            <a:ext cx="2371699" cy="4396475"/>
+            <a:off x="2221057" y="1856510"/>
+            <a:ext cx="2718953" cy="4350325"/>
           </a:xfrm>
           <a:prstGeom prst="rect">
             <a:avLst/>
           </a:prstGeom>
         </p:spPr>
       </p:pic>
-      <p:sp>
-        <p:nvSpPr>
-          <p:cNvPr id="4" name="Rectangle 3"/>
-          <p:cNvSpPr/>
-          <p:nvPr/>
-        </p:nvSpPr>
-        <p:spPr>
-          <a:xfrm>
-            <a:off x="6054602" y="2921334"/>
-            <a:ext cx="4016081" cy="2339102"/>
-          </a:xfrm>
-          <a:prstGeom prst="rect">
-            <a:avLst/>
-          </a:prstGeom>
-        </p:spPr>
-        <p:txBody>
-          <a:bodyPr wrap="square">
-            <a:spAutoFit/>
-          </a:bodyPr>
-          <a:lstStyle/>
-          <a:p>
-            <a:r>
-              <a:rPr lang="en-US" dirty="0">
-                <a:solidFill>
-                  <a:srgbClr val="000000"/>
-                </a:solidFill>
-                <a:latin typeface="Arial" panose="020B0604020202020204" pitchFamily="34" charset="0"/>
-              </a:rPr>
-              <a:t>The user </a:t>
-            </a:r>
-            <a:r>
-              <a:rPr lang="en-US" dirty="0" smtClean="0">
-                <a:solidFill>
-                  <a:srgbClr val="000000"/>
-                </a:solidFill>
-                <a:latin typeface="Arial" panose="020B0604020202020204" pitchFamily="34" charset="0"/>
-              </a:rPr>
-              <a:t>can see the </a:t>
-            </a:r>
-            <a:r>
-              <a:rPr lang="en-US" b="1" dirty="0" smtClean="0">
-                <a:solidFill>
-                  <a:srgbClr val="000000"/>
-                </a:solidFill>
-                <a:latin typeface="Arial" panose="020B0604020202020204" pitchFamily="34" charset="0"/>
-              </a:rPr>
-              <a:t>TEMPERATURE</a:t>
-            </a:r>
-            <a:r>
-              <a:rPr lang="en-US" dirty="0" smtClean="0">
-                <a:solidFill>
-                  <a:srgbClr val="000000"/>
-                </a:solidFill>
-                <a:latin typeface="Arial" panose="020B0604020202020204" pitchFamily="34" charset="0"/>
-              </a:rPr>
-              <a:t> of one specific zone that had a previous selection and he/she is enable to make </a:t>
-            </a:r>
-            <a:r>
-              <a:rPr lang="en-US" sz="2000" b="1" dirty="0" smtClean="0">
-                <a:solidFill>
-                  <a:srgbClr val="000000"/>
-                </a:solidFill>
-                <a:latin typeface="Arial" panose="020B0604020202020204" pitchFamily="34" charset="0"/>
-              </a:rPr>
-              <a:t>REFRESH</a:t>
-            </a:r>
-            <a:r>
-              <a:rPr lang="en-US" dirty="0" smtClean="0">
-                <a:solidFill>
-                  <a:srgbClr val="000000"/>
-                </a:solidFill>
-                <a:latin typeface="Arial" panose="020B0604020202020204" pitchFamily="34" charset="0"/>
-              </a:rPr>
-              <a:t> in order to be able to always update the information.</a:t>
-            </a:r>
-            <a:endParaRPr lang="en-US" dirty="0"/>
-          </a:p>
-          <a:p>
-            <a:r>
-              <a:rPr lang="en-US" dirty="0"/>
-              <a:t/>
-            </a:r>
-            <a:br>
-              <a:rPr lang="en-US" dirty="0"/>
-            </a:br>
-            <a:endParaRPr lang="en-US" dirty="0"/>
-          </a:p>
-        </p:txBody>
-      </p:sp>
     </p:spTree>
     <p:extLst>
       <p:ext uri="{BB962C8B-B14F-4D97-AF65-F5344CB8AC3E}">
@@ -5128,64 +5066,32 @@
       </p:sp>
       <p:pic>
         <p:nvPicPr>
-          <p:cNvPr id="4098" name="Picture 2"/>
+          <p:cNvPr id="3" name="Picture 2"/>
           <p:cNvPicPr>
-            <a:picLocks noChangeAspect="1" noChangeArrowheads="1"/>
+            <a:picLocks noChangeAspect="1"/>
           </p:cNvPicPr>
           <p:nvPr/>
         </p:nvPicPr>
-        <p:blipFill rotWithShape="1">
-          <a:blip r:embed="rId2">
+        <p:blipFill>
+          <a:blip r:embed="rId2" cstate="print">
             <a:extLst>
               <a:ext uri="{28A0092B-C50C-407E-A947-70E740481C1C}">
                 <a14:useLocalDpi xmlns:a14="http://schemas.microsoft.com/office/drawing/2010/main" val="0"/>
               </a:ext>
             </a:extLst>
           </a:blip>
-          <a:srcRect l="4091" r="69686" b="8955"/>
-          <a:stretch/>
+          <a:stretch>
+            <a:fillRect/>
+          </a:stretch>
         </p:blipFill>
-        <p:spPr bwMode="auto">
-          <a:xfrm>
-            <a:off x="2251881" y="1947916"/>
-            <a:ext cx="2197288" cy="4289107"/>
+        <p:spPr>
+          <a:xfrm>
+            <a:off x="2137921" y="1842655"/>
+            <a:ext cx="2725016" cy="4360025"/>
           </a:xfrm>
           <a:prstGeom prst="rect">
             <a:avLst/>
           </a:prstGeom>
-          <a:noFill/>
-          <a:ln>
-            <a:noFill/>
-          </a:ln>
-          <a:effectLst/>
-          <a:extLst>
-            <a:ext uri="{909E8E84-426E-40DD-AFC4-6F175D3DCCD1}">
-              <a14:hiddenFill xmlns:a14="http://schemas.microsoft.com/office/drawing/2010/main">
-                <a:solidFill>
-                  <a:schemeClr val="accent1"/>
-                </a:solidFill>
-              </a14:hiddenFill>
-            </a:ext>
-            <a:ext uri="{91240B29-F687-4F45-9708-019B960494DF}">
-              <a14:hiddenLine xmlns:a14="http://schemas.microsoft.com/office/drawing/2010/main" w="9525">
-                <a:solidFill>
-                  <a:schemeClr val="tx1"/>
-                </a:solidFill>
-                <a:miter lim="800000"/>
-                <a:headEnd/>
-                <a:tailEnd/>
-              </a14:hiddenLine>
-            </a:ext>
-            <a:ext uri="{AF507438-7753-43E0-B8FC-AC1667EBCBE1}">
-              <a14:hiddenEffects xmlns:a14="http://schemas.microsoft.com/office/drawing/2010/main">
-                <a:effectLst>
-                  <a:outerShdw dist="35921" dir="2700000" algn="ctr" rotWithShape="0">
-                    <a:schemeClr val="bg2"/>
-                  </a:outerShdw>
-                </a:effectLst>
-              </a14:hiddenEffects>
-            </a:ext>
-          </a:extLst>
         </p:spPr>
       </p:pic>
     </p:spTree>
@@ -5241,109 +5147,115 @@
           </a:p>
         </p:txBody>
       </p:sp>
+      <p:sp>
+        <p:nvSpPr>
+          <p:cNvPr id="4" name="Rectangle 3"/>
+          <p:cNvSpPr/>
+          <p:nvPr/>
+        </p:nvSpPr>
+        <p:spPr>
+          <a:xfrm>
+            <a:off x="5559188" y="3045459"/>
+            <a:ext cx="4403678" cy="1508105"/>
+          </a:xfrm>
+          <a:prstGeom prst="rect">
+            <a:avLst/>
+          </a:prstGeom>
+        </p:spPr>
+        <p:txBody>
+          <a:bodyPr wrap="square">
+            <a:spAutoFit/>
+          </a:bodyPr>
+          <a:lstStyle/>
+          <a:p>
+            <a:r>
+              <a:rPr lang="en-US" dirty="0">
+                <a:solidFill>
+                  <a:srgbClr val="000000"/>
+                </a:solidFill>
+                <a:latin typeface="Arial" panose="020B0604020202020204" pitchFamily="34" charset="0"/>
+              </a:rPr>
+              <a:t>The user can see the </a:t>
+            </a:r>
+            <a:r>
+              <a:rPr lang="en-US" b="1" dirty="0" smtClean="0">
+                <a:solidFill>
+                  <a:srgbClr val="000000"/>
+                </a:solidFill>
+                <a:latin typeface="Arial" panose="020B0604020202020204" pitchFamily="34" charset="0"/>
+              </a:rPr>
+              <a:t>PLUG LOAD</a:t>
+            </a:r>
+            <a:r>
+              <a:rPr lang="en-US" dirty="0" smtClean="0">
+                <a:solidFill>
+                  <a:srgbClr val="000000"/>
+                </a:solidFill>
+                <a:latin typeface="Arial" panose="020B0604020202020204" pitchFamily="34" charset="0"/>
+              </a:rPr>
+              <a:t> </a:t>
+            </a:r>
+            <a:r>
+              <a:rPr lang="en-US" dirty="0">
+                <a:solidFill>
+                  <a:srgbClr val="000000"/>
+                </a:solidFill>
+                <a:latin typeface="Arial" panose="020B0604020202020204" pitchFamily="34" charset="0"/>
+              </a:rPr>
+              <a:t>of one specific zone that had a previous selection and he/she is enable to make </a:t>
+            </a:r>
+            <a:r>
+              <a:rPr lang="en-US" sz="2000" b="1" dirty="0">
+                <a:solidFill>
+                  <a:srgbClr val="000000"/>
+                </a:solidFill>
+                <a:latin typeface="Arial" panose="020B0604020202020204" pitchFamily="34" charset="0"/>
+              </a:rPr>
+              <a:t>REFRESH</a:t>
+            </a:r>
+            <a:r>
+              <a:rPr lang="en-US" dirty="0">
+                <a:solidFill>
+                  <a:srgbClr val="000000"/>
+                </a:solidFill>
+                <a:latin typeface="Arial" panose="020B0604020202020204" pitchFamily="34" charset="0"/>
+              </a:rPr>
+              <a:t> in order to be able to always update the information.</a:t>
+            </a:r>
+            <a:endParaRPr lang="en-US" dirty="0"/>
+          </a:p>
+        </p:txBody>
+      </p:sp>
       <p:pic>
         <p:nvPicPr>
-          <p:cNvPr id="3" name="Picture 2"/>
+          <p:cNvPr id="5" name="Picture 4"/>
           <p:cNvPicPr>
             <a:picLocks noChangeAspect="1"/>
           </p:cNvPicPr>
           <p:nvPr/>
         </p:nvPicPr>
         <p:blipFill>
-          <a:blip r:embed="rId2"/>
+          <a:blip r:embed="rId2" cstate="print">
+            <a:extLst>
+              <a:ext uri="{28A0092B-C50C-407E-A947-70E740481C1C}">
+                <a14:useLocalDpi xmlns:a14="http://schemas.microsoft.com/office/drawing/2010/main" val="0"/>
+              </a:ext>
+            </a:extLst>
+          </a:blip>
           <a:stretch>
             <a:fillRect/>
           </a:stretch>
         </p:blipFill>
         <p:spPr>
           <a:xfrm>
-            <a:off x="2358430" y="1872873"/>
-            <a:ext cx="2337573" cy="4338535"/>
+            <a:off x="2068656" y="1829760"/>
+            <a:ext cx="2766579" cy="4426526"/>
           </a:xfrm>
           <a:prstGeom prst="rect">
             <a:avLst/>
           </a:prstGeom>
         </p:spPr>
       </p:pic>
-      <p:sp>
-        <p:nvSpPr>
-          <p:cNvPr id="4" name="Rectangle 3"/>
-          <p:cNvSpPr/>
-          <p:nvPr/>
-        </p:nvSpPr>
-        <p:spPr>
-          <a:xfrm>
-            <a:off x="5559188" y="3045459"/>
-            <a:ext cx="4403678" cy="1508105"/>
-          </a:xfrm>
-          <a:prstGeom prst="rect">
-            <a:avLst/>
-          </a:prstGeom>
-        </p:spPr>
-        <p:txBody>
-          <a:bodyPr wrap="square">
-            <a:spAutoFit/>
-          </a:bodyPr>
-          <a:lstStyle/>
-          <a:p>
-            <a:r>
-              <a:rPr lang="en-US" dirty="0">
-                <a:solidFill>
-                  <a:srgbClr val="000000"/>
-                </a:solidFill>
-                <a:latin typeface="Arial" panose="020B0604020202020204" pitchFamily="34" charset="0"/>
-              </a:rPr>
-              <a:t>The user can see the </a:t>
-            </a:r>
-            <a:r>
-              <a:rPr lang="en-US" b="1" dirty="0" smtClean="0">
-                <a:solidFill>
-                  <a:srgbClr val="000000"/>
-                </a:solidFill>
-                <a:latin typeface="Arial" panose="020B0604020202020204" pitchFamily="34" charset="0"/>
-              </a:rPr>
-              <a:t>PLUG LOAD</a:t>
-            </a:r>
-            <a:r>
-              <a:rPr lang="en-US" dirty="0" smtClean="0">
-                <a:solidFill>
-                  <a:srgbClr val="000000"/>
-                </a:solidFill>
-                <a:latin typeface="Arial" panose="020B0604020202020204" pitchFamily="34" charset="0"/>
-              </a:rPr>
-              <a:t> </a:t>
-            </a:r>
-            <a:r>
-              <a:rPr lang="en-US" dirty="0">
-                <a:solidFill>
-                  <a:srgbClr val="000000"/>
-                </a:solidFill>
-                <a:latin typeface="Arial" panose="020B0604020202020204" pitchFamily="34" charset="0"/>
-              </a:rPr>
-              <a:t>of one specific zone that had a previous selection and he/she is enable to make </a:t>
-            </a:r>
-            <a:r>
-              <a:rPr lang="en-US" sz="2000" b="1" dirty="0">
-                <a:solidFill>
-                  <a:srgbClr val="000000"/>
-                </a:solidFill>
-                <a:latin typeface="Arial" panose="020B0604020202020204" pitchFamily="34" charset="0"/>
-              </a:rPr>
-              <a:t>REFRESH</a:t>
-            </a:r>
-            <a:r>
-              <a:rPr lang="en-US" dirty="0">
-                <a:solidFill>
-                  <a:srgbClr val="000000"/>
-                </a:solidFill>
-                <a:latin typeface="Arial" panose="020B0604020202020204" pitchFamily="34" charset="0"/>
-              </a:rPr>
-              <a:t> in order to be able to always update the information.</a:t>
-            </a:r>
-            <a:endParaRPr lang="en-US" dirty="0"/>
-          </a:p>
-        </p:txBody>
-      </p:sp>
     </p:spTree>
     <p:extLst>
       <p:ext uri="{BB962C8B-B14F-4D97-AF65-F5344CB8AC3E}">
@@ -5397,109 +5309,115 @@
           </a:p>
         </p:txBody>
       </p:sp>
+      <p:sp>
+        <p:nvSpPr>
+          <p:cNvPr id="4" name="Rectangle 3"/>
+          <p:cNvSpPr/>
+          <p:nvPr/>
+        </p:nvSpPr>
+        <p:spPr>
+          <a:xfrm>
+            <a:off x="5559188" y="3045459"/>
+            <a:ext cx="4403678" cy="1508105"/>
+          </a:xfrm>
+          <a:prstGeom prst="rect">
+            <a:avLst/>
+          </a:prstGeom>
+        </p:spPr>
+        <p:txBody>
+          <a:bodyPr wrap="square">
+            <a:spAutoFit/>
+          </a:bodyPr>
+          <a:lstStyle/>
+          <a:p>
+            <a:r>
+              <a:rPr lang="en-US" dirty="0">
+                <a:solidFill>
+                  <a:srgbClr val="000000"/>
+                </a:solidFill>
+                <a:latin typeface="Arial" panose="020B0604020202020204" pitchFamily="34" charset="0"/>
+              </a:rPr>
+              <a:t>The user can see the </a:t>
+            </a:r>
+            <a:r>
+              <a:rPr lang="en-US" b="1" dirty="0" smtClean="0">
+                <a:solidFill>
+                  <a:srgbClr val="000000"/>
+                </a:solidFill>
+                <a:latin typeface="Arial" panose="020B0604020202020204" pitchFamily="34" charset="0"/>
+              </a:rPr>
+              <a:t>LIGHTING </a:t>
+            </a:r>
+            <a:r>
+              <a:rPr lang="en-US" dirty="0" smtClean="0">
+                <a:solidFill>
+                  <a:srgbClr val="000000"/>
+                </a:solidFill>
+                <a:latin typeface="Arial" panose="020B0604020202020204" pitchFamily="34" charset="0"/>
+              </a:rPr>
+              <a:t>of </a:t>
+            </a:r>
+            <a:r>
+              <a:rPr lang="en-US" dirty="0">
+                <a:solidFill>
+                  <a:srgbClr val="000000"/>
+                </a:solidFill>
+                <a:latin typeface="Arial" panose="020B0604020202020204" pitchFamily="34" charset="0"/>
+              </a:rPr>
+              <a:t>one specific zone that had a previous selection and he/she is enable to make </a:t>
+            </a:r>
+            <a:r>
+              <a:rPr lang="en-US" sz="2000" b="1" dirty="0">
+                <a:solidFill>
+                  <a:srgbClr val="000000"/>
+                </a:solidFill>
+                <a:latin typeface="Arial" panose="020B0604020202020204" pitchFamily="34" charset="0"/>
+              </a:rPr>
+              <a:t>REFRESH</a:t>
+            </a:r>
+            <a:r>
+              <a:rPr lang="en-US" dirty="0">
+                <a:solidFill>
+                  <a:srgbClr val="000000"/>
+                </a:solidFill>
+                <a:latin typeface="Arial" panose="020B0604020202020204" pitchFamily="34" charset="0"/>
+              </a:rPr>
+              <a:t> in order to be able to always update the information.</a:t>
+            </a:r>
+            <a:endParaRPr lang="en-US" dirty="0"/>
+          </a:p>
+        </p:txBody>
+      </p:sp>
       <p:pic>
         <p:nvPicPr>
-          <p:cNvPr id="3" name="Picture 2"/>
+          <p:cNvPr id="5" name="Picture 4"/>
           <p:cNvPicPr>
             <a:picLocks noChangeAspect="1"/>
           </p:cNvPicPr>
           <p:nvPr/>
         </p:nvPicPr>
         <p:blipFill>
-          <a:blip r:embed="rId2"/>
+          <a:blip r:embed="rId2" cstate="print">
+            <a:extLst>
+              <a:ext uri="{28A0092B-C50C-407E-A947-70E740481C1C}">
+                <a14:useLocalDpi xmlns:a14="http://schemas.microsoft.com/office/drawing/2010/main" val="0"/>
+              </a:ext>
+            </a:extLst>
+          </a:blip>
           <a:stretch>
             <a:fillRect/>
           </a:stretch>
         </p:blipFill>
         <p:spPr>
           <a:xfrm>
-            <a:off x="2500299" y="1847409"/>
-            <a:ext cx="2326213" cy="4363999"/>
+            <a:off x="2207201" y="1834343"/>
+            <a:ext cx="2758787" cy="4414058"/>
           </a:xfrm>
           <a:prstGeom prst="rect">
             <a:avLst/>
           </a:prstGeom>
         </p:spPr>
       </p:pic>
-      <p:sp>
-        <p:nvSpPr>
-          <p:cNvPr id="4" name="Rectangle 3"/>
-          <p:cNvSpPr/>
-          <p:nvPr/>
-        </p:nvSpPr>
-        <p:spPr>
-          <a:xfrm>
-            <a:off x="5559188" y="3045459"/>
-            <a:ext cx="4403678" cy="1508105"/>
-          </a:xfrm>
-          <a:prstGeom prst="rect">
-            <a:avLst/>
-          </a:prstGeom>
-        </p:spPr>
-        <p:txBody>
-          <a:bodyPr wrap="square">
-            <a:spAutoFit/>
-          </a:bodyPr>
-          <a:lstStyle/>
-          <a:p>
-            <a:r>
-              <a:rPr lang="en-US" dirty="0">
-                <a:solidFill>
-                  <a:srgbClr val="000000"/>
-                </a:solidFill>
-                <a:latin typeface="Arial" panose="020B0604020202020204" pitchFamily="34" charset="0"/>
-              </a:rPr>
-              <a:t>The user can see the </a:t>
-            </a:r>
-            <a:r>
-              <a:rPr lang="en-US" b="1" dirty="0" smtClean="0">
-                <a:solidFill>
-                  <a:srgbClr val="000000"/>
-                </a:solidFill>
-                <a:latin typeface="Arial" panose="020B0604020202020204" pitchFamily="34" charset="0"/>
-              </a:rPr>
-              <a:t>LIGHTING </a:t>
-            </a:r>
-            <a:r>
-              <a:rPr lang="en-US" dirty="0" smtClean="0">
-                <a:solidFill>
-                  <a:srgbClr val="000000"/>
-                </a:solidFill>
-                <a:latin typeface="Arial" panose="020B0604020202020204" pitchFamily="34" charset="0"/>
-              </a:rPr>
-              <a:t>of </a:t>
-            </a:r>
-            <a:r>
-              <a:rPr lang="en-US" dirty="0">
-                <a:solidFill>
-                  <a:srgbClr val="000000"/>
-                </a:solidFill>
-                <a:latin typeface="Arial" panose="020B0604020202020204" pitchFamily="34" charset="0"/>
-              </a:rPr>
-              <a:t>one specific zone that had a previous selection and he/she is enable to make </a:t>
-            </a:r>
-            <a:r>
-              <a:rPr lang="en-US" sz="2000" b="1" dirty="0">
-                <a:solidFill>
-                  <a:srgbClr val="000000"/>
-                </a:solidFill>
-                <a:latin typeface="Arial" panose="020B0604020202020204" pitchFamily="34" charset="0"/>
-              </a:rPr>
-              <a:t>REFRESH</a:t>
-            </a:r>
-            <a:r>
-              <a:rPr lang="en-US" dirty="0">
-                <a:solidFill>
-                  <a:srgbClr val="000000"/>
-                </a:solidFill>
-                <a:latin typeface="Arial" panose="020B0604020202020204" pitchFamily="34" charset="0"/>
-              </a:rPr>
-              <a:t> in order to be able to always update the information.</a:t>
-            </a:r>
-            <a:endParaRPr lang="en-US" dirty="0"/>
-          </a:p>
-        </p:txBody>
-      </p:sp>
     </p:spTree>
     <p:extLst>
       <p:ext uri="{BB962C8B-B14F-4D97-AF65-F5344CB8AC3E}">

--- a/Documents/User Manual.pptx
+++ b/Documents/User Manual.pptx
@@ -8,13 +8,17 @@
     <p:sldId id="256" r:id="rId2"/>
     <p:sldId id="261" r:id="rId3"/>
     <p:sldId id="257" r:id="rId4"/>
-    <p:sldId id="258" r:id="rId5"/>
-    <p:sldId id="262" r:id="rId6"/>
-    <p:sldId id="263" r:id="rId7"/>
-    <p:sldId id="259" r:id="rId8"/>
-    <p:sldId id="264" r:id="rId9"/>
-    <p:sldId id="265" r:id="rId10"/>
-    <p:sldId id="260" r:id="rId11"/>
+    <p:sldId id="266" r:id="rId5"/>
+    <p:sldId id="269" r:id="rId6"/>
+    <p:sldId id="258" r:id="rId7"/>
+    <p:sldId id="262" r:id="rId8"/>
+    <p:sldId id="263" r:id="rId9"/>
+    <p:sldId id="259" r:id="rId10"/>
+    <p:sldId id="264" r:id="rId11"/>
+    <p:sldId id="265" r:id="rId12"/>
+    <p:sldId id="267" r:id="rId13"/>
+    <p:sldId id="268" r:id="rId14"/>
+    <p:sldId id="260" r:id="rId15"/>
   </p:sldIdLst>
   <p:sldSz cx="12192000" cy="6858000"/>
   <p:notesSz cx="6858000" cy="9144000"/>
@@ -358,7 +362,7 @@
           <a:p>
             <a:fld id="{664DBA54-AC06-429F-B615-C44D4419E9DD}" type="datetimeFigureOut">
               <a:rPr lang="en-US" smtClean="0"/>
-              <a:t>4/20/2015</a:t>
+              <a:t>4/29/2015</a:t>
             </a:fld>
             <a:endParaRPr lang="en-US"/>
           </a:p>
@@ -566,7 +570,7 @@
           <a:p>
             <a:fld id="{664DBA54-AC06-429F-B615-C44D4419E9DD}" type="datetimeFigureOut">
               <a:rPr lang="en-US" smtClean="0"/>
-              <a:t>4/20/2015</a:t>
+              <a:t>4/29/2015</a:t>
             </a:fld>
             <a:endParaRPr lang="en-US"/>
           </a:p>
@@ -822,7 +826,7 @@
           <a:p>
             <a:fld id="{664DBA54-AC06-429F-B615-C44D4419E9DD}" type="datetimeFigureOut">
               <a:rPr lang="en-US" smtClean="0"/>
-              <a:t>4/20/2015</a:t>
+              <a:t>4/29/2015</a:t>
             </a:fld>
             <a:endParaRPr lang="en-US"/>
           </a:p>
@@ -992,7 +996,7 @@
           <a:p>
             <a:fld id="{664DBA54-AC06-429F-B615-C44D4419E9DD}" type="datetimeFigureOut">
               <a:rPr lang="en-US" smtClean="0"/>
-              <a:t>4/20/2015</a:t>
+              <a:t>4/29/2015</a:t>
             </a:fld>
             <a:endParaRPr lang="en-US"/>
           </a:p>
@@ -1335,7 +1339,7 @@
           <a:p>
             <a:fld id="{664DBA54-AC06-429F-B615-C44D4419E9DD}" type="datetimeFigureOut">
               <a:rPr lang="en-US" smtClean="0"/>
-              <a:t>4/20/2015</a:t>
+              <a:t>4/29/2015</a:t>
             </a:fld>
             <a:endParaRPr lang="en-US"/>
           </a:p>
@@ -1610,7 +1614,7 @@
           <a:p>
             <a:fld id="{664DBA54-AC06-429F-B615-C44D4419E9DD}" type="datetimeFigureOut">
               <a:rPr lang="en-US" smtClean="0"/>
-              <a:t>4/20/2015</a:t>
+              <a:t>4/29/2015</a:t>
             </a:fld>
             <a:endParaRPr lang="en-US"/>
           </a:p>
@@ -1989,7 +1993,7 @@
           <a:p>
             <a:fld id="{664DBA54-AC06-429F-B615-C44D4419E9DD}" type="datetimeFigureOut">
               <a:rPr lang="en-US" smtClean="0"/>
-              <a:t>4/20/2015</a:t>
+              <a:t>4/29/2015</a:t>
             </a:fld>
             <a:endParaRPr lang="en-US"/>
           </a:p>
@@ -2107,7 +2111,7 @@
           <a:p>
             <a:fld id="{664DBA54-AC06-429F-B615-C44D4419E9DD}" type="datetimeFigureOut">
               <a:rPr lang="en-US" smtClean="0"/>
-              <a:t>4/20/2015</a:t>
+              <a:t>4/29/2015</a:t>
             </a:fld>
             <a:endParaRPr lang="en-US"/>
           </a:p>
@@ -2278,7 +2282,7 @@
           <a:p>
             <a:fld id="{664DBA54-AC06-429F-B615-C44D4419E9DD}" type="datetimeFigureOut">
               <a:rPr lang="en-US" smtClean="0"/>
-              <a:t>4/20/2015</a:t>
+              <a:t>4/29/2015</a:t>
             </a:fld>
             <a:endParaRPr lang="en-US"/>
           </a:p>
@@ -2632,7 +2636,7 @@
           <a:p>
             <a:fld id="{664DBA54-AC06-429F-B615-C44D4419E9DD}" type="datetimeFigureOut">
               <a:rPr lang="en-US" smtClean="0"/>
-              <a:t>4/20/2015</a:t>
+              <a:t>4/29/2015</a:t>
             </a:fld>
             <a:endParaRPr lang="en-US"/>
           </a:p>
@@ -3009,7 +3013,7 @@
           <a:p>
             <a:fld id="{664DBA54-AC06-429F-B615-C44D4419E9DD}" type="datetimeFigureOut">
               <a:rPr lang="en-US" smtClean="0"/>
-              <a:t>4/20/2015</a:t>
+              <a:t>4/29/2015</a:t>
             </a:fld>
             <a:endParaRPr lang="en-US"/>
           </a:p>
@@ -3296,7 +3300,7 @@
           <a:p>
             <a:fld id="{664DBA54-AC06-429F-B615-C44D4419E9DD}" type="datetimeFigureOut">
               <a:rPr lang="en-US" smtClean="0"/>
-              <a:t>4/20/2015</a:t>
+              <a:t>4/29/2015</a:t>
             </a:fld>
             <a:endParaRPr lang="en-US"/>
           </a:p>
@@ -4009,7 +4013,116 @@
           <a:p>
             <a:r>
               <a:rPr lang="en-US" dirty="0" smtClean="0"/>
-              <a:t>Step 8</a:t>
+              <a:t>Step </a:t>
+            </a:r>
+            <a:r>
+              <a:rPr lang="en-US" dirty="0"/>
+              <a:t>8</a:t>
+            </a:r>
+          </a:p>
+        </p:txBody>
+      </p:sp>
+      <p:sp>
+        <p:nvSpPr>
+          <p:cNvPr id="4" name="Rectangle 3"/>
+          <p:cNvSpPr/>
+          <p:nvPr/>
+        </p:nvSpPr>
+        <p:spPr>
+          <a:xfrm>
+            <a:off x="5018859" y="2228041"/>
+            <a:ext cx="5829249" cy="1785104"/>
+          </a:xfrm>
+          <a:prstGeom prst="rect">
+            <a:avLst/>
+          </a:prstGeom>
+        </p:spPr>
+        <p:txBody>
+          <a:bodyPr wrap="square">
+            <a:spAutoFit/>
+          </a:bodyPr>
+          <a:lstStyle/>
+          <a:p>
+            <a:r>
+              <a:rPr lang="en-US" dirty="0">
+                <a:solidFill>
+                  <a:srgbClr val="000000"/>
+                </a:solidFill>
+                <a:latin typeface="Arial" panose="020B0604020202020204" pitchFamily="34" charset="0"/>
+              </a:rPr>
+              <a:t>The user can see the </a:t>
+            </a:r>
+            <a:r>
+              <a:rPr lang="en-US" b="1" dirty="0" smtClean="0">
+                <a:solidFill>
+                  <a:srgbClr val="000000"/>
+                </a:solidFill>
+                <a:latin typeface="Arial" panose="020B0604020202020204" pitchFamily="34" charset="0"/>
+              </a:rPr>
+              <a:t>PLUG LOAD</a:t>
+            </a:r>
+            <a:r>
+              <a:rPr lang="en-US" dirty="0" smtClean="0">
+                <a:solidFill>
+                  <a:srgbClr val="000000"/>
+                </a:solidFill>
+                <a:latin typeface="Arial" panose="020B0604020202020204" pitchFamily="34" charset="0"/>
+              </a:rPr>
+              <a:t> </a:t>
+            </a:r>
+            <a:r>
+              <a:rPr lang="en-US" dirty="0">
+                <a:solidFill>
+                  <a:srgbClr val="000000"/>
+                </a:solidFill>
+                <a:latin typeface="Arial" panose="020B0604020202020204" pitchFamily="34" charset="0"/>
+              </a:rPr>
+              <a:t>of one specific zone that had a previous selection and he/she is enable to make </a:t>
+            </a:r>
+            <a:r>
+              <a:rPr lang="en-US" sz="2000" b="1" dirty="0">
+                <a:solidFill>
+                  <a:srgbClr val="000000"/>
+                </a:solidFill>
+                <a:latin typeface="Arial" panose="020B0604020202020204" pitchFamily="34" charset="0"/>
+              </a:rPr>
+              <a:t>REFRESH</a:t>
+            </a:r>
+            <a:r>
+              <a:rPr lang="en-US" dirty="0">
+                <a:solidFill>
+                  <a:srgbClr val="000000"/>
+                </a:solidFill>
+                <a:latin typeface="Arial" panose="020B0604020202020204" pitchFamily="34" charset="0"/>
+              </a:rPr>
+              <a:t> in order to be able to always update the information. Also has its graphic </a:t>
+            </a:r>
+            <a:r>
+              <a:rPr lang="en-US" dirty="0" smtClean="0">
+                <a:solidFill>
+                  <a:srgbClr val="000000"/>
+                </a:solidFill>
+                <a:latin typeface="Arial" panose="020B0604020202020204" pitchFamily="34" charset="0"/>
+              </a:rPr>
+              <a:t>representation for the appliance energy </a:t>
+            </a:r>
+            <a:r>
+              <a:rPr lang="en-US" dirty="0">
+                <a:solidFill>
+                  <a:srgbClr val="000000"/>
+                </a:solidFill>
+                <a:latin typeface="Arial" panose="020B0604020202020204" pitchFamily="34" charset="0"/>
+              </a:rPr>
+              <a:t>c</a:t>
+            </a:r>
+            <a:r>
+              <a:rPr lang="en-US" dirty="0" smtClean="0">
+                <a:solidFill>
+                  <a:srgbClr val="000000"/>
+                </a:solidFill>
+                <a:latin typeface="Arial" panose="020B0604020202020204" pitchFamily="34" charset="0"/>
+              </a:rPr>
+              <a:t>onsumption per zone and its average for the building.</a:t>
             </a:r>
             <a:endParaRPr lang="en-US" dirty="0"/>
           </a:p>
@@ -4024,15 +4137,21 @@
           <p:nvPr/>
         </p:nvPicPr>
         <p:blipFill>
-          <a:blip r:embed="rId2"/>
+          <a:blip r:embed="rId2" cstate="print">
+            <a:extLst>
+              <a:ext uri="{28A0092B-C50C-407E-A947-70E740481C1C}">
+                <a14:useLocalDpi xmlns:a14="http://schemas.microsoft.com/office/drawing/2010/main" val="0"/>
+              </a:ext>
+            </a:extLst>
+          </a:blip>
           <a:stretch>
             <a:fillRect/>
           </a:stretch>
         </p:blipFill>
         <p:spPr>
           <a:xfrm>
-            <a:off x="2393820" y="1901846"/>
-            <a:ext cx="2322749" cy="4304828"/>
+            <a:off x="1124990" y="1737360"/>
+            <a:ext cx="2877417" cy="4603867"/>
           </a:xfrm>
           <a:prstGeom prst="rect">
             <a:avLst/>
@@ -4041,14 +4160,785 @@
       </p:pic>
       <p:sp>
         <p:nvSpPr>
+          <p:cNvPr id="6" name="Right Arrow 5"/>
+          <p:cNvSpPr/>
+          <p:nvPr/>
+        </p:nvSpPr>
+        <p:spPr>
+          <a:xfrm>
+            <a:off x="4240470" y="2708986"/>
+            <a:ext cx="540327" cy="159324"/>
+          </a:xfrm>
+          <a:prstGeom prst="rightArrow">
+            <a:avLst/>
+          </a:prstGeom>
+        </p:spPr>
+        <p:style>
+          <a:lnRef idx="2">
+            <a:schemeClr val="accent1">
+              <a:shade val="50000"/>
+            </a:schemeClr>
+          </a:lnRef>
+          <a:fillRef idx="1">
+            <a:schemeClr val="accent1"/>
+          </a:fillRef>
+          <a:effectRef idx="0">
+            <a:schemeClr val="accent1"/>
+          </a:effectRef>
+          <a:fontRef idx="minor">
+            <a:schemeClr val="lt1"/>
+          </a:fontRef>
+        </p:style>
+        <p:txBody>
+          <a:bodyPr rtlCol="0" anchor="ctr"/>
+          <a:lstStyle/>
+          <a:p>
+            <a:pPr algn="ctr"/>
+            <a:endParaRPr lang="en-US"/>
+          </a:p>
+        </p:txBody>
+      </p:sp>
+    </p:spTree>
+    <p:extLst>
+      <p:ext uri="{BB962C8B-B14F-4D97-AF65-F5344CB8AC3E}">
+        <p14:creationId xmlns:p14="http://schemas.microsoft.com/office/powerpoint/2010/main" val="1514309214"/>
+      </p:ext>
+    </p:extLst>
+  </p:cSld>
+  <p:clrMapOvr>
+    <a:masterClrMapping/>
+  </p:clrMapOvr>
+  <p:timing>
+    <p:tnLst>
+      <p:par>
+        <p:cTn id="1" dur="indefinite" restart="never" nodeType="tmRoot"/>
+      </p:par>
+    </p:tnLst>
+  </p:timing>
+</p:sld>
+</file>
+
+<file path=ppt/slides/slide11.xml><?xml version="1.0" encoding="utf-8"?>
+<p:sld xmlns:a="http://schemas.openxmlformats.org/drawingml/2006/main" xmlns:r="http://schemas.openxmlformats.org/officeDocument/2006/relationships" xmlns:p="http://schemas.openxmlformats.org/presentationml/2006/main">
+  <p:cSld>
+    <p:spTree>
+      <p:nvGrpSpPr>
+        <p:cNvPr id="1" name=""/>
+        <p:cNvGrpSpPr/>
+        <p:nvPr/>
+      </p:nvGrpSpPr>
+      <p:grpSpPr>
+        <a:xfrm>
+          <a:off x="0" y="0"/>
+          <a:ext cx="0" cy="0"/>
+          <a:chOff x="0" y="0"/>
+          <a:chExt cx="0" cy="0"/>
+        </a:xfrm>
+      </p:grpSpPr>
+      <p:sp>
+        <p:nvSpPr>
+          <p:cNvPr id="2" name="Title 1"/>
+          <p:cNvSpPr>
+            <a:spLocks noGrp="1"/>
+          </p:cNvSpPr>
+          <p:nvPr>
+            <p:ph type="title"/>
+          </p:nvPr>
+        </p:nvSpPr>
+        <p:spPr/>
+        <p:txBody>
+          <a:bodyPr/>
+          <a:lstStyle/>
+          <a:p>
+            <a:r>
+              <a:rPr lang="en-US" dirty="0" smtClean="0"/>
+              <a:t>Step </a:t>
+            </a:r>
+            <a:r>
+              <a:rPr lang="en-US" dirty="0"/>
+              <a:t>9</a:t>
+            </a:r>
+          </a:p>
+        </p:txBody>
+      </p:sp>
+      <p:sp>
+        <p:nvSpPr>
           <p:cNvPr id="4" name="Rectangle 3"/>
           <p:cNvSpPr/>
           <p:nvPr/>
         </p:nvSpPr>
         <p:spPr>
           <a:xfrm>
-            <a:off x="5518245" y="2869779"/>
-            <a:ext cx="4308143" cy="1477328"/>
+            <a:off x="5046569" y="2228040"/>
+            <a:ext cx="5843103" cy="1508105"/>
+          </a:xfrm>
+          <a:prstGeom prst="rect">
+            <a:avLst/>
+          </a:prstGeom>
+        </p:spPr>
+        <p:txBody>
+          <a:bodyPr wrap="square">
+            <a:spAutoFit/>
+          </a:bodyPr>
+          <a:lstStyle/>
+          <a:p>
+            <a:r>
+              <a:rPr lang="en-US" dirty="0">
+                <a:solidFill>
+                  <a:srgbClr val="000000"/>
+                </a:solidFill>
+                <a:latin typeface="Arial" panose="020B0604020202020204" pitchFamily="34" charset="0"/>
+              </a:rPr>
+              <a:t>The user can see the </a:t>
+            </a:r>
+            <a:r>
+              <a:rPr lang="en-US" b="1" dirty="0" smtClean="0">
+                <a:solidFill>
+                  <a:srgbClr val="000000"/>
+                </a:solidFill>
+                <a:latin typeface="Arial" panose="020B0604020202020204" pitchFamily="34" charset="0"/>
+              </a:rPr>
+              <a:t>LIGHTING </a:t>
+            </a:r>
+            <a:r>
+              <a:rPr lang="en-US" dirty="0" smtClean="0">
+                <a:solidFill>
+                  <a:srgbClr val="000000"/>
+                </a:solidFill>
+                <a:latin typeface="Arial" panose="020B0604020202020204" pitchFamily="34" charset="0"/>
+              </a:rPr>
+              <a:t>of </a:t>
+            </a:r>
+            <a:r>
+              <a:rPr lang="en-US" dirty="0">
+                <a:solidFill>
+                  <a:srgbClr val="000000"/>
+                </a:solidFill>
+                <a:latin typeface="Arial" panose="020B0604020202020204" pitchFamily="34" charset="0"/>
+              </a:rPr>
+              <a:t>one specific zone that had a previous selection and he/she is enable to make </a:t>
+            </a:r>
+            <a:r>
+              <a:rPr lang="en-US" sz="2000" b="1" dirty="0">
+                <a:solidFill>
+                  <a:srgbClr val="000000"/>
+                </a:solidFill>
+                <a:latin typeface="Arial" panose="020B0604020202020204" pitchFamily="34" charset="0"/>
+              </a:rPr>
+              <a:t>REFRESH</a:t>
+            </a:r>
+            <a:r>
+              <a:rPr lang="en-US" dirty="0">
+                <a:solidFill>
+                  <a:srgbClr val="000000"/>
+                </a:solidFill>
+                <a:latin typeface="Arial" panose="020B0604020202020204" pitchFamily="34" charset="0"/>
+              </a:rPr>
+              <a:t> in order to be able to always update the information. Also has its graphic representation </a:t>
+            </a:r>
+            <a:r>
+              <a:rPr lang="en-US" dirty="0" smtClean="0">
+                <a:solidFill>
+                  <a:srgbClr val="000000"/>
+                </a:solidFill>
+                <a:latin typeface="Arial" panose="020B0604020202020204" pitchFamily="34" charset="0"/>
+              </a:rPr>
+              <a:t>or the energy performance and its average.</a:t>
+            </a:r>
+            <a:endParaRPr lang="en-US" dirty="0"/>
+          </a:p>
+        </p:txBody>
+      </p:sp>
+      <p:pic>
+        <p:nvPicPr>
+          <p:cNvPr id="3" name="Picture 2"/>
+          <p:cNvPicPr>
+            <a:picLocks noChangeAspect="1"/>
+          </p:cNvPicPr>
+          <p:nvPr/>
+        </p:nvPicPr>
+        <p:blipFill>
+          <a:blip r:embed="rId2" cstate="print">
+            <a:extLst>
+              <a:ext uri="{28A0092B-C50C-407E-A947-70E740481C1C}">
+                <a14:useLocalDpi xmlns:a14="http://schemas.microsoft.com/office/drawing/2010/main" val="0"/>
+              </a:ext>
+            </a:extLst>
+          </a:blip>
+          <a:stretch>
+            <a:fillRect/>
+          </a:stretch>
+        </p:blipFill>
+        <p:spPr>
+          <a:xfrm>
+            <a:off x="1223529" y="1737359"/>
+            <a:ext cx="2877415" cy="4603865"/>
+          </a:xfrm>
+          <a:prstGeom prst="rect">
+            <a:avLst/>
+          </a:prstGeom>
+        </p:spPr>
+      </p:pic>
+      <p:sp>
+        <p:nvSpPr>
+          <p:cNvPr id="6" name="Right Arrow 5"/>
+          <p:cNvSpPr/>
+          <p:nvPr/>
+        </p:nvSpPr>
+        <p:spPr>
+          <a:xfrm>
+            <a:off x="4240470" y="2708986"/>
+            <a:ext cx="540327" cy="159324"/>
+          </a:xfrm>
+          <a:prstGeom prst="rightArrow">
+            <a:avLst/>
+          </a:prstGeom>
+        </p:spPr>
+        <p:style>
+          <a:lnRef idx="2">
+            <a:schemeClr val="accent1">
+              <a:shade val="50000"/>
+            </a:schemeClr>
+          </a:lnRef>
+          <a:fillRef idx="1">
+            <a:schemeClr val="accent1"/>
+          </a:fillRef>
+          <a:effectRef idx="0">
+            <a:schemeClr val="accent1"/>
+          </a:effectRef>
+          <a:fontRef idx="minor">
+            <a:schemeClr val="lt1"/>
+          </a:fontRef>
+        </p:style>
+        <p:txBody>
+          <a:bodyPr rtlCol="0" anchor="ctr"/>
+          <a:lstStyle/>
+          <a:p>
+            <a:pPr algn="ctr"/>
+            <a:endParaRPr lang="en-US"/>
+          </a:p>
+        </p:txBody>
+      </p:sp>
+    </p:spTree>
+    <p:extLst>
+      <p:ext uri="{BB962C8B-B14F-4D97-AF65-F5344CB8AC3E}">
+        <p14:creationId xmlns:p14="http://schemas.microsoft.com/office/powerpoint/2010/main" val="4215938646"/>
+      </p:ext>
+    </p:extLst>
+  </p:cSld>
+  <p:clrMapOvr>
+    <a:masterClrMapping/>
+  </p:clrMapOvr>
+  <p:timing>
+    <p:tnLst>
+      <p:par>
+        <p:cTn id="1" dur="indefinite" restart="never" nodeType="tmRoot"/>
+      </p:par>
+    </p:tnLst>
+  </p:timing>
+</p:sld>
+</file>
+
+<file path=ppt/slides/slide12.xml><?xml version="1.0" encoding="utf-8"?>
+<p:sld xmlns:a="http://schemas.openxmlformats.org/drawingml/2006/main" xmlns:r="http://schemas.openxmlformats.org/officeDocument/2006/relationships" xmlns:p="http://schemas.openxmlformats.org/presentationml/2006/main">
+  <p:cSld>
+    <p:spTree>
+      <p:nvGrpSpPr>
+        <p:cNvPr id="1" name=""/>
+        <p:cNvGrpSpPr/>
+        <p:nvPr/>
+      </p:nvGrpSpPr>
+      <p:grpSpPr>
+        <a:xfrm>
+          <a:off x="0" y="0"/>
+          <a:ext cx="0" cy="0"/>
+          <a:chOff x="0" y="0"/>
+          <a:chExt cx="0" cy="0"/>
+        </a:xfrm>
+      </p:grpSpPr>
+      <p:sp>
+        <p:nvSpPr>
+          <p:cNvPr id="2" name="Title 1"/>
+          <p:cNvSpPr>
+            <a:spLocks noGrp="1"/>
+          </p:cNvSpPr>
+          <p:nvPr>
+            <p:ph type="title"/>
+          </p:nvPr>
+        </p:nvSpPr>
+        <p:spPr/>
+        <p:txBody>
+          <a:bodyPr/>
+          <a:lstStyle/>
+          <a:p>
+            <a:r>
+              <a:rPr lang="en-US" dirty="0" smtClean="0"/>
+              <a:t>Step 10</a:t>
+            </a:r>
+            <a:endParaRPr lang="en-US" dirty="0"/>
+          </a:p>
+        </p:txBody>
+      </p:sp>
+      <p:pic>
+        <p:nvPicPr>
+          <p:cNvPr id="3" name="Picture 2"/>
+          <p:cNvPicPr>
+            <a:picLocks noChangeAspect="1"/>
+          </p:cNvPicPr>
+          <p:nvPr/>
+        </p:nvPicPr>
+        <p:blipFill>
+          <a:blip r:embed="rId2" cstate="print">
+            <a:extLst>
+              <a:ext uri="{28A0092B-C50C-407E-A947-70E740481C1C}">
+                <a14:useLocalDpi xmlns:a14="http://schemas.microsoft.com/office/drawing/2010/main" val="0"/>
+              </a:ext>
+            </a:extLst>
+          </a:blip>
+          <a:stretch>
+            <a:fillRect/>
+          </a:stretch>
+        </p:blipFill>
+        <p:spPr>
+          <a:xfrm>
+            <a:off x="1097280" y="1737360"/>
+            <a:ext cx="2878976" cy="4606361"/>
+          </a:xfrm>
+          <a:prstGeom prst="rect">
+            <a:avLst/>
+          </a:prstGeom>
+        </p:spPr>
+      </p:pic>
+      <p:sp>
+        <p:nvSpPr>
+          <p:cNvPr id="4" name="Right Arrow 3"/>
+          <p:cNvSpPr/>
+          <p:nvPr/>
+        </p:nvSpPr>
+        <p:spPr>
+          <a:xfrm>
+            <a:off x="4254325" y="2445750"/>
+            <a:ext cx="540327" cy="159324"/>
+          </a:xfrm>
+          <a:prstGeom prst="rightArrow">
+            <a:avLst/>
+          </a:prstGeom>
+        </p:spPr>
+        <p:style>
+          <a:lnRef idx="2">
+            <a:schemeClr val="accent1">
+              <a:shade val="50000"/>
+            </a:schemeClr>
+          </a:lnRef>
+          <a:fillRef idx="1">
+            <a:schemeClr val="accent1"/>
+          </a:fillRef>
+          <a:effectRef idx="0">
+            <a:schemeClr val="accent1"/>
+          </a:effectRef>
+          <a:fontRef idx="minor">
+            <a:schemeClr val="lt1"/>
+          </a:fontRef>
+        </p:style>
+        <p:txBody>
+          <a:bodyPr rtlCol="0" anchor="ctr"/>
+          <a:lstStyle/>
+          <a:p>
+            <a:pPr algn="ctr"/>
+            <a:endParaRPr lang="en-US"/>
+          </a:p>
+        </p:txBody>
+      </p:sp>
+      <p:sp>
+        <p:nvSpPr>
+          <p:cNvPr id="6" name="TextBox 5"/>
+          <p:cNvSpPr txBox="1"/>
+          <p:nvPr/>
+        </p:nvSpPr>
+        <p:spPr>
+          <a:xfrm>
+            <a:off x="5140036" y="2230582"/>
+            <a:ext cx="5666509" cy="923330"/>
+          </a:xfrm>
+          <a:prstGeom prst="rect">
+            <a:avLst/>
+          </a:prstGeom>
+          <a:noFill/>
+        </p:spPr>
+        <p:txBody>
+          <a:bodyPr wrap="square" rtlCol="0">
+            <a:spAutoFit/>
+          </a:bodyPr>
+          <a:lstStyle/>
+          <a:p>
+            <a:r>
+              <a:rPr lang="en-US" dirty="0" smtClean="0">
+                <a:latin typeface="Arial" panose="020B0604020202020204" pitchFamily="34" charset="0"/>
+                <a:cs typeface="Arial" panose="020B0604020202020204" pitchFamily="34" charset="0"/>
+              </a:rPr>
+              <a:t>The user can make </a:t>
+            </a:r>
+            <a:r>
+              <a:rPr lang="en-US" b="1" dirty="0" smtClean="0">
+                <a:latin typeface="Arial" panose="020B0604020202020204" pitchFamily="34" charset="0"/>
+                <a:cs typeface="Arial" panose="020B0604020202020204" pitchFamily="34" charset="0"/>
+              </a:rPr>
+              <a:t>A PREDICTION OF AIR CONDITIONING </a:t>
+            </a:r>
+            <a:r>
+              <a:rPr lang="en-US" dirty="0" smtClean="0">
+                <a:latin typeface="Arial" panose="020B0604020202020204" pitchFamily="34" charset="0"/>
+                <a:cs typeface="Arial" panose="020B0604020202020204" pitchFamily="34" charset="0"/>
+              </a:rPr>
+              <a:t>only entering his/her temperature Set Point and make a click in the button predict.</a:t>
+            </a:r>
+            <a:endParaRPr lang="en-US" dirty="0">
+              <a:latin typeface="Arial" panose="020B0604020202020204" pitchFamily="34" charset="0"/>
+              <a:cs typeface="Arial" panose="020B0604020202020204" pitchFamily="34" charset="0"/>
+            </a:endParaRPr>
+          </a:p>
+        </p:txBody>
+      </p:sp>
+      <p:sp>
+        <p:nvSpPr>
+          <p:cNvPr id="7" name="Right Arrow 6"/>
+          <p:cNvSpPr/>
+          <p:nvPr/>
+        </p:nvSpPr>
+        <p:spPr>
+          <a:xfrm>
+            <a:off x="4254325" y="3878170"/>
+            <a:ext cx="540327" cy="159324"/>
+          </a:xfrm>
+          <a:prstGeom prst="rightArrow">
+            <a:avLst/>
+          </a:prstGeom>
+        </p:spPr>
+        <p:style>
+          <a:lnRef idx="2">
+            <a:schemeClr val="accent1">
+              <a:shade val="50000"/>
+            </a:schemeClr>
+          </a:lnRef>
+          <a:fillRef idx="1">
+            <a:schemeClr val="accent1"/>
+          </a:fillRef>
+          <a:effectRef idx="0">
+            <a:schemeClr val="accent1"/>
+          </a:effectRef>
+          <a:fontRef idx="minor">
+            <a:schemeClr val="lt1"/>
+          </a:fontRef>
+        </p:style>
+        <p:txBody>
+          <a:bodyPr rtlCol="0" anchor="ctr"/>
+          <a:lstStyle/>
+          <a:p>
+            <a:pPr algn="ctr"/>
+            <a:endParaRPr lang="en-US"/>
+          </a:p>
+        </p:txBody>
+      </p:sp>
+      <p:sp>
+        <p:nvSpPr>
+          <p:cNvPr id="8" name="TextBox 7"/>
+          <p:cNvSpPr txBox="1"/>
+          <p:nvPr/>
+        </p:nvSpPr>
+        <p:spPr>
+          <a:xfrm>
+            <a:off x="5072721" y="3745549"/>
+            <a:ext cx="5666509" cy="646331"/>
+          </a:xfrm>
+          <a:prstGeom prst="rect">
+            <a:avLst/>
+          </a:prstGeom>
+          <a:noFill/>
+        </p:spPr>
+        <p:txBody>
+          <a:bodyPr wrap="square" rtlCol="0">
+            <a:spAutoFit/>
+          </a:bodyPr>
+          <a:lstStyle/>
+          <a:p>
+            <a:r>
+              <a:rPr lang="en-US" dirty="0" smtClean="0">
+                <a:latin typeface="Arial" panose="020B0604020202020204" pitchFamily="34" charset="0"/>
+                <a:cs typeface="Arial" panose="020B0604020202020204" pitchFamily="34" charset="0"/>
+              </a:rPr>
+              <a:t>The user can see different </a:t>
+            </a:r>
+            <a:r>
+              <a:rPr lang="en-US" b="1" dirty="0" smtClean="0">
+                <a:latin typeface="Arial" panose="020B0604020202020204" pitchFamily="34" charset="0"/>
+                <a:cs typeface="Arial" panose="020B0604020202020204" pitchFamily="34" charset="0"/>
+              </a:rPr>
+              <a:t>ANIMATION GIFS </a:t>
+            </a:r>
+            <a:r>
+              <a:rPr lang="en-US" dirty="0" smtClean="0">
+                <a:latin typeface="Arial" panose="020B0604020202020204" pitchFamily="34" charset="0"/>
+                <a:cs typeface="Arial" panose="020B0604020202020204" pitchFamily="34" charset="0"/>
+              </a:rPr>
+              <a:t>in order to learn how to save energy in a simple way.</a:t>
+            </a:r>
+            <a:endParaRPr lang="en-US" dirty="0">
+              <a:latin typeface="Arial" panose="020B0604020202020204" pitchFamily="34" charset="0"/>
+              <a:cs typeface="Arial" panose="020B0604020202020204" pitchFamily="34" charset="0"/>
+            </a:endParaRPr>
+          </a:p>
+        </p:txBody>
+      </p:sp>
+    </p:spTree>
+    <p:extLst>
+      <p:ext uri="{BB962C8B-B14F-4D97-AF65-F5344CB8AC3E}">
+        <p14:creationId xmlns:p14="http://schemas.microsoft.com/office/powerpoint/2010/main" val="2644225120"/>
+      </p:ext>
+    </p:extLst>
+  </p:cSld>
+  <p:clrMapOvr>
+    <a:masterClrMapping/>
+  </p:clrMapOvr>
+  <p:timing>
+    <p:tnLst>
+      <p:par>
+        <p:cTn id="1" dur="indefinite" restart="never" nodeType="tmRoot"/>
+      </p:par>
+    </p:tnLst>
+  </p:timing>
+</p:sld>
+</file>
+
+<file path=ppt/slides/slide13.xml><?xml version="1.0" encoding="utf-8"?>
+<p:sld xmlns:a="http://schemas.openxmlformats.org/drawingml/2006/main" xmlns:r="http://schemas.openxmlformats.org/officeDocument/2006/relationships" xmlns:p="http://schemas.openxmlformats.org/presentationml/2006/main">
+  <p:cSld>
+    <p:spTree>
+      <p:nvGrpSpPr>
+        <p:cNvPr id="1" name=""/>
+        <p:cNvGrpSpPr/>
+        <p:nvPr/>
+      </p:nvGrpSpPr>
+      <p:grpSpPr>
+        <a:xfrm>
+          <a:off x="0" y="0"/>
+          <a:ext cx="0" cy="0"/>
+          <a:chOff x="0" y="0"/>
+          <a:chExt cx="0" cy="0"/>
+        </a:xfrm>
+      </p:grpSpPr>
+      <p:sp>
+        <p:nvSpPr>
+          <p:cNvPr id="2" name="Title 1"/>
+          <p:cNvSpPr>
+            <a:spLocks noGrp="1"/>
+          </p:cNvSpPr>
+          <p:nvPr>
+            <p:ph type="title"/>
+          </p:nvPr>
+        </p:nvSpPr>
+        <p:spPr/>
+        <p:txBody>
+          <a:bodyPr/>
+          <a:lstStyle/>
+          <a:p>
+            <a:r>
+              <a:rPr lang="en-US" dirty="0" smtClean="0"/>
+              <a:t>Step 11</a:t>
+            </a:r>
+            <a:endParaRPr lang="en-US" dirty="0"/>
+          </a:p>
+        </p:txBody>
+      </p:sp>
+      <p:pic>
+        <p:nvPicPr>
+          <p:cNvPr id="3" name="Picture 2"/>
+          <p:cNvPicPr>
+            <a:picLocks noChangeAspect="1"/>
+          </p:cNvPicPr>
+          <p:nvPr/>
+        </p:nvPicPr>
+        <p:blipFill>
+          <a:blip r:embed="rId2" cstate="print">
+            <a:extLst>
+              <a:ext uri="{28A0092B-C50C-407E-A947-70E740481C1C}">
+                <a14:useLocalDpi xmlns:a14="http://schemas.microsoft.com/office/drawing/2010/main" val="0"/>
+              </a:ext>
+            </a:extLst>
+          </a:blip>
+          <a:stretch>
+            <a:fillRect/>
+          </a:stretch>
+        </p:blipFill>
+        <p:spPr>
+          <a:xfrm>
+            <a:off x="1195822" y="1737360"/>
+            <a:ext cx="2871354" cy="4594167"/>
+          </a:xfrm>
+          <a:prstGeom prst="rect">
+            <a:avLst/>
+          </a:prstGeom>
+        </p:spPr>
+      </p:pic>
+      <p:sp>
+        <p:nvSpPr>
+          <p:cNvPr id="4" name="Right Arrow 3"/>
+          <p:cNvSpPr/>
+          <p:nvPr/>
+        </p:nvSpPr>
+        <p:spPr>
+          <a:xfrm>
+            <a:off x="4392871" y="2445750"/>
+            <a:ext cx="540327" cy="159324"/>
+          </a:xfrm>
+          <a:prstGeom prst="rightArrow">
+            <a:avLst/>
+          </a:prstGeom>
+        </p:spPr>
+        <p:style>
+          <a:lnRef idx="2">
+            <a:schemeClr val="accent1">
+              <a:shade val="50000"/>
+            </a:schemeClr>
+          </a:lnRef>
+          <a:fillRef idx="1">
+            <a:schemeClr val="accent1"/>
+          </a:fillRef>
+          <a:effectRef idx="0">
+            <a:schemeClr val="accent1"/>
+          </a:effectRef>
+          <a:fontRef idx="minor">
+            <a:schemeClr val="lt1"/>
+          </a:fontRef>
+        </p:style>
+        <p:txBody>
+          <a:bodyPr rtlCol="0" anchor="ctr"/>
+          <a:lstStyle/>
+          <a:p>
+            <a:pPr algn="ctr"/>
+            <a:endParaRPr lang="en-US"/>
+          </a:p>
+        </p:txBody>
+      </p:sp>
+      <p:sp>
+        <p:nvSpPr>
+          <p:cNvPr id="5" name="TextBox 4"/>
+          <p:cNvSpPr txBox="1"/>
+          <p:nvPr/>
+        </p:nvSpPr>
+        <p:spPr>
+          <a:xfrm>
+            <a:off x="5140036" y="2230582"/>
+            <a:ext cx="5666509" cy="1477328"/>
+          </a:xfrm>
+          <a:prstGeom prst="rect">
+            <a:avLst/>
+          </a:prstGeom>
+          <a:noFill/>
+        </p:spPr>
+        <p:txBody>
+          <a:bodyPr wrap="square" rtlCol="0">
+            <a:spAutoFit/>
+          </a:bodyPr>
+          <a:lstStyle/>
+          <a:p>
+            <a:r>
+              <a:rPr lang="en-US" dirty="0" smtClean="0">
+                <a:latin typeface="Arial" panose="020B0604020202020204" pitchFamily="34" charset="0"/>
+                <a:cs typeface="Arial" panose="020B0604020202020204" pitchFamily="34" charset="0"/>
+              </a:rPr>
+              <a:t>The user can make </a:t>
+            </a:r>
+            <a:r>
+              <a:rPr lang="en-US" b="1" dirty="0" smtClean="0">
+                <a:latin typeface="Arial" panose="020B0604020202020204" pitchFamily="34" charset="0"/>
+                <a:cs typeface="Arial" panose="020B0604020202020204" pitchFamily="34" charset="0"/>
+              </a:rPr>
+              <a:t>A PREDICTION OF CONSUMPTION OF APPLIANCES </a:t>
+            </a:r>
+            <a:r>
+              <a:rPr lang="en-US" dirty="0" smtClean="0">
+                <a:latin typeface="Arial" panose="020B0604020202020204" pitchFamily="34" charset="0"/>
+                <a:cs typeface="Arial" panose="020B0604020202020204" pitchFamily="34" charset="0"/>
+              </a:rPr>
+              <a:t>only completing all the information in the expandable list and then make a click in the monthly consumption and monthly cost.</a:t>
+            </a:r>
+            <a:endParaRPr lang="en-US" dirty="0">
+              <a:latin typeface="Arial" panose="020B0604020202020204" pitchFamily="34" charset="0"/>
+              <a:cs typeface="Arial" panose="020B0604020202020204" pitchFamily="34" charset="0"/>
+            </a:endParaRPr>
+          </a:p>
+        </p:txBody>
+      </p:sp>
+    </p:spTree>
+    <p:extLst>
+      <p:ext uri="{BB962C8B-B14F-4D97-AF65-F5344CB8AC3E}">
+        <p14:creationId xmlns:p14="http://schemas.microsoft.com/office/powerpoint/2010/main" val="3891655987"/>
+      </p:ext>
+    </p:extLst>
+  </p:cSld>
+  <p:clrMapOvr>
+    <a:masterClrMapping/>
+  </p:clrMapOvr>
+  <p:timing>
+    <p:tnLst>
+      <p:par>
+        <p:cTn id="1" dur="indefinite" restart="never" nodeType="tmRoot"/>
+      </p:par>
+    </p:tnLst>
+  </p:timing>
+</p:sld>
+</file>
+
+<file path=ppt/slides/slide14.xml><?xml version="1.0" encoding="utf-8"?>
+<p:sld xmlns:a="http://schemas.openxmlformats.org/drawingml/2006/main" xmlns:r="http://schemas.openxmlformats.org/officeDocument/2006/relationships" xmlns:p="http://schemas.openxmlformats.org/presentationml/2006/main">
+  <p:cSld>
+    <p:spTree>
+      <p:nvGrpSpPr>
+        <p:cNvPr id="1" name=""/>
+        <p:cNvGrpSpPr/>
+        <p:nvPr/>
+      </p:nvGrpSpPr>
+      <p:grpSpPr>
+        <a:xfrm>
+          <a:off x="0" y="0"/>
+          <a:ext cx="0" cy="0"/>
+          <a:chOff x="0" y="0"/>
+          <a:chExt cx="0" cy="0"/>
+        </a:xfrm>
+      </p:grpSpPr>
+      <p:sp>
+        <p:nvSpPr>
+          <p:cNvPr id="2" name="Title 1"/>
+          <p:cNvSpPr>
+            <a:spLocks noGrp="1"/>
+          </p:cNvSpPr>
+          <p:nvPr>
+            <p:ph type="title"/>
+          </p:nvPr>
+        </p:nvSpPr>
+        <p:spPr/>
+        <p:txBody>
+          <a:bodyPr/>
+          <a:lstStyle/>
+          <a:p>
+            <a:r>
+              <a:rPr lang="en-US" dirty="0" smtClean="0"/>
+              <a:t>Step 12</a:t>
+            </a:r>
+            <a:endParaRPr lang="en-US" dirty="0"/>
+          </a:p>
+        </p:txBody>
+      </p:sp>
+      <p:sp>
+        <p:nvSpPr>
+          <p:cNvPr id="4" name="Rectangle 3"/>
+          <p:cNvSpPr/>
+          <p:nvPr/>
+        </p:nvSpPr>
+        <p:spPr>
+          <a:xfrm>
+            <a:off x="4977916" y="2024652"/>
+            <a:ext cx="5634666" cy="1200329"/>
           </a:xfrm>
           <a:prstGeom prst="rect">
             <a:avLst/>
@@ -4098,6 +4988,76 @@
               <a:rPr lang="en-US" dirty="0"/>
             </a:br>
             <a:endParaRPr lang="en-US" dirty="0"/>
+          </a:p>
+        </p:txBody>
+      </p:sp>
+      <p:pic>
+        <p:nvPicPr>
+          <p:cNvPr id="5" name="Picture 4"/>
+          <p:cNvPicPr>
+            <a:picLocks noChangeAspect="1"/>
+          </p:cNvPicPr>
+          <p:nvPr/>
+        </p:nvPicPr>
+        <p:blipFill>
+          <a:blip r:embed="rId2" cstate="print">
+            <a:extLst>
+              <a:ext uri="{28A0092B-C50C-407E-A947-70E740481C1C}">
+                <a14:useLocalDpi xmlns:a14="http://schemas.microsoft.com/office/drawing/2010/main" val="0"/>
+              </a:ext>
+            </a:extLst>
+          </a:blip>
+          <a:stretch>
+            <a:fillRect/>
+          </a:stretch>
+        </p:blipFill>
+        <p:spPr>
+          <a:xfrm>
+            <a:off x="1223529" y="1737360"/>
+            <a:ext cx="2877416" cy="4603866"/>
+          </a:xfrm>
+          <a:prstGeom prst="rect">
+            <a:avLst/>
+          </a:prstGeom>
+        </p:spPr>
+      </p:pic>
+      <p:sp>
+        <p:nvSpPr>
+          <p:cNvPr id="6" name="Right Arrow 5"/>
+          <p:cNvSpPr/>
+          <p:nvPr/>
+        </p:nvSpPr>
+        <p:spPr>
+          <a:xfrm>
+            <a:off x="4269267" y="2223907"/>
+            <a:ext cx="540327" cy="159324"/>
+          </a:xfrm>
+          <a:prstGeom prst="rightArrow">
+            <a:avLst/>
+          </a:prstGeom>
+        </p:spPr>
+        <p:style>
+          <a:lnRef idx="2">
+            <a:schemeClr val="accent1">
+              <a:shade val="50000"/>
+            </a:schemeClr>
+          </a:lnRef>
+          <a:fillRef idx="1">
+            <a:schemeClr val="accent1"/>
+          </a:fillRef>
+          <a:effectRef idx="0">
+            <a:schemeClr val="accent1"/>
+          </a:effectRef>
+          <a:fontRef idx="minor">
+            <a:schemeClr val="lt1"/>
+          </a:fontRef>
+        </p:style>
+        <p:txBody>
+          <a:bodyPr rtlCol="0" anchor="ctr"/>
+          <a:lstStyle/>
+          <a:p>
+            <a:pPr algn="ctr"/>
+            <a:endParaRPr lang="en-US"/>
           </a:p>
         </p:txBody>
       </p:sp>
@@ -4111,6 +5071,13 @@
   <p:clrMapOvr>
     <a:masterClrMapping/>
   </p:clrMapOvr>
+  <p:timing>
+    <p:tnLst>
+      <p:par>
+        <p:cTn id="1" dur="indefinite" restart="never" nodeType="tmRoot"/>
+      </p:par>
+    </p:tnLst>
+  </p:timing>
 </p:sld>
 </file>
 
@@ -4162,8 +5129,8 @@
         </p:nvSpPr>
         <p:spPr>
           <a:xfrm>
-            <a:off x="1323833" y="2210937"/>
-            <a:ext cx="9831847" cy="3139321"/>
+            <a:off x="1097280" y="2138833"/>
+            <a:ext cx="9831847" cy="923330"/>
           </a:xfrm>
           <a:prstGeom prst="rect">
             <a:avLst/>
@@ -4178,7 +5145,23 @@
           <a:p>
             <a:r>
               <a:rPr lang="en-US" dirty="0" smtClean="0"/>
-              <a:t>You can configure the application Smart System for Occupancy and Building Energy Control in order in to learn how to use the energy in the appropriate manner.</a:t>
+              <a:t>You can </a:t>
+            </a:r>
+            <a:r>
+              <a:rPr lang="en-US" dirty="0" smtClean="0"/>
+              <a:t>use the </a:t>
+            </a:r>
+            <a:r>
+              <a:rPr lang="en-US" dirty="0" smtClean="0"/>
+              <a:t>application Smart System for Occupancy and Building Energy Control in order in to </a:t>
+            </a:r>
+            <a:r>
+              <a:rPr lang="en-US" dirty="0" smtClean="0"/>
+              <a:t>conduct how </a:t>
+            </a:r>
+            <a:r>
+              <a:rPr lang="en-US" dirty="0" smtClean="0"/>
+              <a:t>to use the energy in the appropriate manner.</a:t>
             </a:r>
           </a:p>
           <a:p>
@@ -4186,15 +5169,39 @@
               <a:rPr lang="en-US" dirty="0" smtClean="0"/>
               <a:t>This manual delivers an overview of the sample application.  Beginning with the following information:</a:t>
             </a:r>
-          </a:p>
+            <a:endParaRPr lang="en-US" dirty="0"/>
+          </a:p>
+        </p:txBody>
+      </p:sp>
+      <p:sp>
+        <p:nvSpPr>
+          <p:cNvPr id="4" name="TextBox 3"/>
+          <p:cNvSpPr txBox="1"/>
+          <p:nvPr/>
+        </p:nvSpPr>
+        <p:spPr>
+          <a:xfrm>
+            <a:off x="2410691" y="3408531"/>
+            <a:ext cx="2673928" cy="2308324"/>
+          </a:xfrm>
+          <a:prstGeom prst="rect">
+            <a:avLst/>
+          </a:prstGeom>
+          <a:noFill/>
+        </p:spPr>
+        <p:txBody>
+          <a:bodyPr wrap="square" rtlCol="0">
+            <a:spAutoFit/>
+          </a:bodyPr>
+          <a:lstStyle/>
           <a:p>
             <a:pPr marL="285750" indent="-285750">
               <a:buFont typeface="Arial" panose="020B0604020202020204" pitchFamily="34" charset="0"/>
               <a:buChar char="•"/>
             </a:pPr>
             <a:r>
-              <a:rPr lang="en-US" dirty="0" smtClean="0"/>
-              <a:t>View Zones Data</a:t>
+              <a:rPr lang="en-US" dirty="0"/>
+              <a:t>Login		</a:t>
             </a:r>
           </a:p>
           <a:p>
@@ -4203,8 +5210,8 @@
               <a:buChar char="•"/>
             </a:pPr>
             <a:r>
-              <a:rPr lang="en-US" dirty="0" smtClean="0"/>
-              <a:t>View Lighting Data</a:t>
+              <a:rPr lang="en-US" dirty="0"/>
+              <a:t>Create Account</a:t>
             </a:r>
           </a:p>
           <a:p>
@@ -4213,8 +5220,8 @@
               <a:buChar char="•"/>
             </a:pPr>
             <a:r>
-              <a:rPr lang="en-US" dirty="0" smtClean="0"/>
-              <a:t>View Plug Load Data</a:t>
+              <a:rPr lang="en-US" dirty="0"/>
+              <a:t>Add a Zone</a:t>
             </a:r>
           </a:p>
           <a:p>
@@ -4223,8 +5230,8 @@
               <a:buChar char="•"/>
             </a:pPr>
             <a:r>
-              <a:rPr lang="en-US" dirty="0" smtClean="0"/>
-              <a:t>View Temperature Data</a:t>
+              <a:rPr lang="en-US" dirty="0"/>
+              <a:t>Select a Zone</a:t>
             </a:r>
           </a:p>
           <a:p>
@@ -4233,12 +5240,130 @@
               <a:buChar char="•"/>
             </a:pPr>
             <a:r>
+              <a:rPr lang="en-US" dirty="0"/>
+              <a:t>Reward</a:t>
+            </a:r>
+          </a:p>
+          <a:p>
+            <a:pPr marL="285750" indent="-285750">
+              <a:buFont typeface="Arial" panose="020B0604020202020204" pitchFamily="34" charset="0"/>
+              <a:buChar char="•"/>
+            </a:pPr>
+            <a:r>
+              <a:rPr lang="en-US" dirty="0"/>
+              <a:t>Zones Description</a:t>
+            </a:r>
+          </a:p>
+          <a:p>
+            <a:pPr marL="285750" indent="-285750">
+              <a:buFont typeface="Arial" panose="020B0604020202020204" pitchFamily="34" charset="0"/>
+              <a:buChar char="•"/>
+            </a:pPr>
+            <a:r>
+              <a:rPr lang="en-US" dirty="0"/>
+              <a:t>Temperature</a:t>
+            </a:r>
+          </a:p>
+          <a:p>
+            <a:endParaRPr lang="en-US" dirty="0"/>
+          </a:p>
+        </p:txBody>
+      </p:sp>
+      <p:sp>
+        <p:nvSpPr>
+          <p:cNvPr id="5" name="TextBox 4"/>
+          <p:cNvSpPr txBox="1"/>
+          <p:nvPr/>
+        </p:nvSpPr>
+        <p:spPr>
+          <a:xfrm>
+            <a:off x="5500249" y="3394676"/>
+            <a:ext cx="4475018" cy="2585323"/>
+          </a:xfrm>
+          <a:prstGeom prst="rect">
+            <a:avLst/>
+          </a:prstGeom>
+          <a:noFill/>
+        </p:spPr>
+        <p:txBody>
+          <a:bodyPr wrap="square" rtlCol="0">
+            <a:spAutoFit/>
+          </a:bodyPr>
+          <a:lstStyle/>
+          <a:p>
+            <a:pPr marL="285750" indent="-285750">
+              <a:buFont typeface="Arial" panose="020B0604020202020204" pitchFamily="34" charset="0"/>
+              <a:buChar char="•"/>
+            </a:pPr>
+            <a:r>
+              <a:rPr lang="en-US" dirty="0"/>
+              <a:t>Occupancy</a:t>
+            </a:r>
+          </a:p>
+          <a:p>
+            <a:pPr marL="285750" indent="-285750">
+              <a:buFont typeface="Arial" panose="020B0604020202020204" pitchFamily="34" charset="0"/>
+              <a:buChar char="•"/>
+            </a:pPr>
+            <a:r>
+              <a:rPr lang="en-US" dirty="0"/>
+              <a:t>Plug Load</a:t>
+            </a:r>
+          </a:p>
+          <a:p>
+            <a:pPr marL="285750" indent="-285750">
+              <a:buFont typeface="Arial" panose="020B0604020202020204" pitchFamily="34" charset="0"/>
+              <a:buChar char="•"/>
+            </a:pPr>
+            <a:r>
               <a:rPr lang="en-US" dirty="0" smtClean="0"/>
-              <a:t>View Occupancy Behavior</a:t>
-            </a:r>
-          </a:p>
-          <a:p>
-            <a:endParaRPr lang="en-US" dirty="0" smtClean="0"/>
+              <a:t>Lighting</a:t>
+            </a:r>
+            <a:endParaRPr lang="en-US" dirty="0"/>
+          </a:p>
+          <a:p>
+            <a:pPr marL="285750" indent="-285750">
+              <a:buFont typeface="Arial" panose="020B0604020202020204" pitchFamily="34" charset="0"/>
+              <a:buChar char="•"/>
+            </a:pPr>
+            <a:r>
+              <a:rPr lang="en-US" dirty="0"/>
+              <a:t>Prediction of Air Conditioning</a:t>
+            </a:r>
+          </a:p>
+          <a:p>
+            <a:pPr marL="285750" indent="-285750">
+              <a:buFont typeface="Arial" panose="020B0604020202020204" pitchFamily="34" charset="0"/>
+              <a:buChar char="•"/>
+            </a:pPr>
+            <a:r>
+              <a:rPr lang="en-US" dirty="0"/>
+              <a:t>Animation </a:t>
+            </a:r>
+            <a:r>
+              <a:rPr lang="en-US" dirty="0" smtClean="0"/>
+              <a:t>Gifs</a:t>
+            </a:r>
+          </a:p>
+          <a:p>
+            <a:pPr marL="285750" indent="-285750">
+              <a:buFont typeface="Arial" panose="020B0604020202020204" pitchFamily="34" charset="0"/>
+              <a:buChar char="•"/>
+            </a:pPr>
+            <a:r>
+              <a:rPr lang="en-US" dirty="0" smtClean="0"/>
+              <a:t>Prediction of Consumption of appliances</a:t>
+            </a:r>
+          </a:p>
+          <a:p>
+            <a:pPr marL="285750" indent="-285750">
+              <a:buFont typeface="Arial" panose="020B0604020202020204" pitchFamily="34" charset="0"/>
+              <a:buChar char="•"/>
+            </a:pPr>
+            <a:r>
+              <a:rPr lang="en-US" dirty="0" smtClean="0"/>
+              <a:t>Logout</a:t>
+            </a:r>
           </a:p>
           <a:p>
             <a:pPr marL="285750" indent="-285750">
@@ -4248,6 +5373,10 @@
             <a:endParaRPr lang="en-US" dirty="0" smtClean="0"/>
           </a:p>
           <a:p>
+            <a:pPr marL="285750" indent="-285750">
+              <a:buFont typeface="Arial" panose="020B0604020202020204" pitchFamily="34" charset="0"/>
+              <a:buChar char="•"/>
+            </a:pPr>
             <a:endParaRPr lang="en-US" dirty="0"/>
           </a:p>
         </p:txBody>
@@ -4320,8 +5449,8 @@
         </p:nvSpPr>
         <p:spPr>
           <a:xfrm>
-            <a:off x="5905841" y="3177454"/>
-            <a:ext cx="3674887" cy="1477328"/>
+            <a:off x="5271302" y="3095108"/>
+            <a:ext cx="5341280" cy="1200329"/>
           </a:xfrm>
           <a:prstGeom prst="rect">
             <a:avLst/>
@@ -4334,13 +5463,40 @@
           <a:lstStyle/>
           <a:p>
             <a:r>
+              <a:rPr lang="en-US" dirty="0" smtClean="0">
+                <a:solidFill>
+                  <a:srgbClr val="000000"/>
+                </a:solidFill>
+                <a:latin typeface="Arial" panose="020B0604020202020204" pitchFamily="34" charset="0"/>
+              </a:rPr>
+              <a:t>The </a:t>
+            </a:r>
+            <a:r>
               <a:rPr lang="en-US" dirty="0">
                 <a:solidFill>
                   <a:srgbClr val="000000"/>
                 </a:solidFill>
                 <a:latin typeface="Arial" panose="020B0604020202020204" pitchFamily="34" charset="0"/>
               </a:rPr>
-              <a:t>The user is required to enter the username and password then click on the </a:t>
+              <a:t>user is required to enter the username and password </a:t>
+            </a:r>
+            <a:r>
+              <a:rPr lang="en-US" dirty="0" smtClean="0">
+                <a:solidFill>
+                  <a:srgbClr val="000000"/>
+                </a:solidFill>
+                <a:latin typeface="Arial" panose="020B0604020202020204" pitchFamily="34" charset="0"/>
+              </a:rPr>
+              <a:t>and make a </a:t>
+            </a:r>
+            <a:r>
+              <a:rPr lang="en-US" dirty="0">
+                <a:solidFill>
+                  <a:srgbClr val="000000"/>
+                </a:solidFill>
+                <a:latin typeface="Arial" panose="020B0604020202020204" pitchFamily="34" charset="0"/>
+              </a:rPr>
+              <a:t>click on the </a:t>
             </a:r>
             <a:r>
               <a:rPr lang="en-US" b="1" dirty="0">
@@ -4376,68 +5532,203 @@
       </p:sp>
       <p:pic>
         <p:nvPicPr>
-          <p:cNvPr id="1026" name="Picture 2"/>
+          <p:cNvPr id="7" name="Picture 6"/>
           <p:cNvPicPr>
-            <a:picLocks noChangeAspect="1" noChangeArrowheads="1"/>
+            <a:picLocks noChangeAspect="1"/>
           </p:cNvPicPr>
           <p:nvPr/>
         </p:nvPicPr>
         <p:blipFill>
-          <a:blip r:embed="rId2">
+          <a:blip r:embed="rId2" cstate="print">
             <a:extLst>
               <a:ext uri="{28A0092B-C50C-407E-A947-70E740481C1C}">
                 <a14:useLocalDpi xmlns:a14="http://schemas.microsoft.com/office/drawing/2010/main" val="0"/>
               </a:ext>
             </a:extLst>
           </a:blip>
-          <a:srcRect/>
           <a:stretch>
             <a:fillRect/>
           </a:stretch>
         </p:blipFill>
-        <p:spPr bwMode="auto">
-          <a:xfrm>
-            <a:off x="2429302" y="1863522"/>
-            <a:ext cx="2250516" cy="4331774"/>
+        <p:spPr>
+          <a:xfrm>
+            <a:off x="1238248" y="1737360"/>
+            <a:ext cx="2880014" cy="4608022"/>
+          </a:xfrm>
+          <a:prstGeom prst="rect">
+            <a:avLst/>
+          </a:prstGeom>
+        </p:spPr>
+      </p:pic>
+      <p:sp>
+        <p:nvSpPr>
+          <p:cNvPr id="10" name="Right Arrow 9"/>
+          <p:cNvSpPr/>
+          <p:nvPr/>
+        </p:nvSpPr>
+        <p:spPr>
+          <a:xfrm>
+            <a:off x="4471724" y="3385272"/>
+            <a:ext cx="540327" cy="180109"/>
+          </a:xfrm>
+          <a:prstGeom prst="rightArrow">
+            <a:avLst/>
+          </a:prstGeom>
+        </p:spPr>
+        <p:style>
+          <a:lnRef idx="2">
+            <a:schemeClr val="accent1">
+              <a:shade val="50000"/>
+            </a:schemeClr>
+          </a:lnRef>
+          <a:fillRef idx="1">
+            <a:schemeClr val="accent1"/>
+          </a:fillRef>
+          <a:effectRef idx="0">
+            <a:schemeClr val="accent1"/>
+          </a:effectRef>
+          <a:fontRef idx="minor">
+            <a:schemeClr val="lt1"/>
+          </a:fontRef>
+        </p:style>
+        <p:txBody>
+          <a:bodyPr rtlCol="0" anchor="ctr"/>
+          <a:lstStyle/>
+          <a:p>
+            <a:pPr algn="ctr"/>
+            <a:endParaRPr lang="en-US"/>
+          </a:p>
+        </p:txBody>
+      </p:sp>
+      <p:sp>
+        <p:nvSpPr>
+          <p:cNvPr id="11" name="Right Arrow 10"/>
+          <p:cNvSpPr/>
+          <p:nvPr/>
+        </p:nvSpPr>
+        <p:spPr>
+          <a:xfrm>
+            <a:off x="4373797" y="5798126"/>
+            <a:ext cx="540327" cy="180109"/>
+          </a:xfrm>
+          <a:prstGeom prst="rightArrow">
+            <a:avLst/>
+          </a:prstGeom>
+        </p:spPr>
+        <p:style>
+          <a:lnRef idx="2">
+            <a:schemeClr val="accent1">
+              <a:shade val="50000"/>
+            </a:schemeClr>
+          </a:lnRef>
+          <a:fillRef idx="1">
+            <a:schemeClr val="accent1"/>
+          </a:fillRef>
+          <a:effectRef idx="0">
+            <a:schemeClr val="accent1"/>
+          </a:effectRef>
+          <a:fontRef idx="minor">
+            <a:schemeClr val="lt1"/>
+          </a:fontRef>
+        </p:style>
+        <p:txBody>
+          <a:bodyPr rtlCol="0" anchor="ctr"/>
+          <a:lstStyle/>
+          <a:p>
+            <a:pPr algn="ctr"/>
+            <a:endParaRPr lang="en-US"/>
+          </a:p>
+        </p:txBody>
+      </p:sp>
+      <p:sp>
+        <p:nvSpPr>
+          <p:cNvPr id="12" name="TextBox 11"/>
+          <p:cNvSpPr txBox="1"/>
+          <p:nvPr/>
+        </p:nvSpPr>
+        <p:spPr>
+          <a:xfrm>
+            <a:off x="5275198" y="5565014"/>
+            <a:ext cx="5281964" cy="646331"/>
           </a:xfrm>
           <a:prstGeom prst="rect">
             <a:avLst/>
           </a:prstGeom>
           <a:noFill/>
-          <a:ln>
-            <a:noFill/>
-          </a:ln>
-          <a:effectLst/>
-          <a:extLst>
-            <a:ext uri="{909E8E84-426E-40DD-AFC4-6F175D3DCCD1}">
-              <a14:hiddenFill xmlns:a14="http://schemas.microsoft.com/office/drawing/2010/main">
-                <a:solidFill>
-                  <a:schemeClr val="accent1"/>
-                </a:solidFill>
-              </a14:hiddenFill>
-            </a:ext>
-            <a:ext uri="{91240B29-F687-4F45-9708-019B960494DF}">
-              <a14:hiddenLine xmlns:a14="http://schemas.microsoft.com/office/drawing/2010/main" w="9525">
-                <a:solidFill>
-                  <a:schemeClr val="tx1"/>
-                </a:solidFill>
-                <a:miter lim="800000"/>
-                <a:headEnd/>
-                <a:tailEnd/>
-              </a14:hiddenLine>
-            </a:ext>
-            <a:ext uri="{AF507438-7753-43E0-B8FC-AC1667EBCBE1}">
-              <a14:hiddenEffects xmlns:a14="http://schemas.microsoft.com/office/drawing/2010/main">
-                <a:effectLst>
-                  <a:outerShdw dist="35921" dir="2700000" algn="ctr" rotWithShape="0">
-                    <a:schemeClr val="bg2"/>
-                  </a:outerShdw>
-                </a:effectLst>
-              </a14:hiddenEffects>
-            </a:ext>
-          </a:extLst>
-        </p:spPr>
-      </p:pic>
+        </p:spPr>
+        <p:txBody>
+          <a:bodyPr wrap="square" rtlCol="0">
+            <a:spAutoFit/>
+          </a:bodyPr>
+          <a:lstStyle/>
+          <a:p>
+            <a:r>
+              <a:rPr lang="en-US" dirty="0">
+                <a:solidFill>
+                  <a:srgbClr val="000000"/>
+                </a:solidFill>
+                <a:latin typeface="Arial" panose="020B0604020202020204" pitchFamily="34" charset="0"/>
+              </a:rPr>
+              <a:t>First the user need to </a:t>
+            </a:r>
+            <a:r>
+              <a:rPr lang="en-US" b="1" dirty="0" smtClean="0">
+                <a:solidFill>
+                  <a:srgbClr val="000000"/>
+                </a:solidFill>
+                <a:latin typeface="Arial" panose="020B0604020202020204" pitchFamily="34" charset="0"/>
+              </a:rPr>
+              <a:t>CREATE ACCOUNT </a:t>
+            </a:r>
+            <a:r>
+              <a:rPr lang="en-US" dirty="0" smtClean="0">
+                <a:solidFill>
+                  <a:srgbClr val="000000"/>
+                </a:solidFill>
+                <a:latin typeface="Arial" panose="020B0604020202020204" pitchFamily="34" charset="0"/>
+              </a:rPr>
+              <a:t>button</a:t>
+            </a:r>
+            <a:r>
+              <a:rPr lang="en-US" b="1" dirty="0" smtClean="0">
+                <a:solidFill>
+                  <a:srgbClr val="000000"/>
+                </a:solidFill>
+                <a:latin typeface="Arial" panose="020B0604020202020204" pitchFamily="34" charset="0"/>
+              </a:rPr>
+              <a:t> </a:t>
+            </a:r>
+            <a:r>
+              <a:rPr lang="en-US" dirty="0" smtClean="0">
+                <a:solidFill>
+                  <a:srgbClr val="000000"/>
+                </a:solidFill>
+                <a:latin typeface="Arial" panose="020B0604020202020204" pitchFamily="34" charset="0"/>
+              </a:rPr>
+              <a:t>look </a:t>
+            </a:r>
+            <a:r>
+              <a:rPr lang="en-US" dirty="0">
+                <a:solidFill>
+                  <a:srgbClr val="000000"/>
+                </a:solidFill>
+                <a:latin typeface="Arial" panose="020B0604020202020204" pitchFamily="34" charset="0"/>
+              </a:rPr>
+              <a:t>step 2 by </a:t>
+            </a:r>
+            <a:r>
+              <a:rPr lang="en-US" dirty="0" smtClean="0">
+                <a:solidFill>
+                  <a:srgbClr val="000000"/>
+                </a:solidFill>
+                <a:latin typeface="Arial" panose="020B0604020202020204" pitchFamily="34" charset="0"/>
+              </a:rPr>
+              <a:t>complete the requirements.</a:t>
+            </a:r>
+            <a:endParaRPr lang="en-US" dirty="0"/>
+          </a:p>
+        </p:txBody>
+      </p:sp>
     </p:spTree>
     <p:extLst>
       <p:ext uri="{BB962C8B-B14F-4D97-AF65-F5344CB8AC3E}">
@@ -4448,6 +5739,13 @@
   <p:clrMapOvr>
     <a:masterClrMapping/>
   </p:clrMapOvr>
+  <p:timing>
+    <p:tnLst>
+      <p:par>
+        <p:cTn id="1" dur="indefinite" restart="never" nodeType="tmRoot"/>
+      </p:par>
+    </p:tnLst>
+  </p:timing>
 </p:sld>
 </file>
 
@@ -4478,12 +5776,7 @@
             <p:ph type="title"/>
           </p:nvPr>
         </p:nvSpPr>
-        <p:spPr>
-          <a:xfrm>
-            <a:off x="1124575" y="272955"/>
-            <a:ext cx="10058400" cy="1450757"/>
-          </a:xfrm>
-        </p:spPr>
+        <p:spPr/>
         <p:txBody>
           <a:bodyPr/>
           <a:lstStyle/>
@@ -4492,86 +5785,6 @@
               <a:rPr lang="en-US" dirty="0" smtClean="0"/>
               <a:t>Step 2</a:t>
             </a:r>
-            <a:endParaRPr lang="en-US" dirty="0"/>
-          </a:p>
-        </p:txBody>
-      </p:sp>
-      <p:sp>
-        <p:nvSpPr>
-          <p:cNvPr id="3" name="Rectangle 2"/>
-          <p:cNvSpPr/>
-          <p:nvPr/>
-        </p:nvSpPr>
-        <p:spPr>
-          <a:xfrm>
-            <a:off x="5436359" y="2938018"/>
-            <a:ext cx="4035188" cy="1754326"/>
-          </a:xfrm>
-          <a:prstGeom prst="rect">
-            <a:avLst/>
-          </a:prstGeom>
-        </p:spPr>
-        <p:txBody>
-          <a:bodyPr wrap="square">
-            <a:spAutoFit/>
-          </a:bodyPr>
-          <a:lstStyle/>
-          <a:p>
-            <a:r>
-              <a:rPr lang="en-US" dirty="0">
-                <a:solidFill>
-                  <a:srgbClr val="000000"/>
-                </a:solidFill>
-                <a:latin typeface="Arial" panose="020B0604020202020204" pitchFamily="34" charset="0"/>
-              </a:rPr>
-              <a:t>The user is required to </a:t>
-            </a:r>
-            <a:r>
-              <a:rPr lang="en-US" b="1" dirty="0" smtClean="0">
-                <a:solidFill>
-                  <a:srgbClr val="000000"/>
-                </a:solidFill>
-                <a:latin typeface="Arial" panose="020B0604020202020204" pitchFamily="34" charset="0"/>
-              </a:rPr>
-              <a:t>SELECT A ZONE </a:t>
-            </a:r>
-            <a:r>
-              <a:rPr lang="en-US" dirty="0" smtClean="0">
-                <a:solidFill>
-                  <a:srgbClr val="000000"/>
-                </a:solidFill>
-                <a:latin typeface="Arial" panose="020B0604020202020204" pitchFamily="34" charset="0"/>
-              </a:rPr>
-              <a:t>where </a:t>
-            </a:r>
-            <a:r>
-              <a:rPr lang="en-US" dirty="0">
-                <a:solidFill>
-                  <a:srgbClr val="000000"/>
-                </a:solidFill>
-                <a:latin typeface="Arial" panose="020B0604020202020204" pitchFamily="34" charset="0"/>
-              </a:rPr>
-              <a:t>he/she can see the </a:t>
-            </a:r>
-            <a:r>
-              <a:rPr lang="en-US" dirty="0" smtClean="0">
-                <a:solidFill>
-                  <a:srgbClr val="000000"/>
-                </a:solidFill>
-                <a:latin typeface="Arial" panose="020B0604020202020204" pitchFamily="34" charset="0"/>
-              </a:rPr>
-              <a:t>different options for energy performance</a:t>
-            </a:r>
-            <a:endParaRPr lang="en-US" dirty="0"/>
-          </a:p>
-          <a:p>
-            <a:r>
-              <a:rPr lang="en-US" dirty="0"/>
-              <a:t/>
-            </a:r>
-            <a:br>
-              <a:rPr lang="en-US" dirty="0"/>
-            </a:br>
             <a:endParaRPr lang="en-US" dirty="0"/>
           </a:p>
         </p:txBody>
@@ -4598,24 +5811,213 @@
         </p:blipFill>
         <p:spPr>
           <a:xfrm>
-            <a:off x="2401170" y="1885024"/>
-            <a:ext cx="2588564" cy="4141703"/>
+            <a:off x="1223529" y="1737361"/>
+            <a:ext cx="2880013" cy="4608022"/>
           </a:xfrm>
           <a:prstGeom prst="rect">
             <a:avLst/>
           </a:prstGeom>
         </p:spPr>
       </p:pic>
+      <p:sp>
+        <p:nvSpPr>
+          <p:cNvPr id="5" name="Rectangle 4"/>
+          <p:cNvSpPr/>
+          <p:nvPr/>
+        </p:nvSpPr>
+        <p:spPr>
+          <a:xfrm>
+            <a:off x="5375558" y="2124512"/>
+            <a:ext cx="5600007" cy="2308324"/>
+          </a:xfrm>
+          <a:prstGeom prst="rect">
+            <a:avLst/>
+          </a:prstGeom>
+        </p:spPr>
+        <p:txBody>
+          <a:bodyPr wrap="square">
+            <a:spAutoFit/>
+          </a:bodyPr>
+          <a:lstStyle/>
+          <a:p>
+            <a:endParaRPr lang="en-US" dirty="0" smtClean="0">
+              <a:solidFill>
+                <a:srgbClr val="000000"/>
+              </a:solidFill>
+              <a:latin typeface="Arial" panose="020B0604020202020204" pitchFamily="34" charset="0"/>
+            </a:endParaRPr>
+          </a:p>
+          <a:p>
+            <a:r>
+              <a:rPr lang="en-US" dirty="0" smtClean="0">
+                <a:solidFill>
+                  <a:srgbClr val="000000"/>
+                </a:solidFill>
+                <a:latin typeface="Arial" panose="020B0604020202020204" pitchFamily="34" charset="0"/>
+              </a:rPr>
+              <a:t>The user previously need to make a click in </a:t>
+            </a:r>
+            <a:r>
+              <a:rPr lang="en-US" b="1" dirty="0" smtClean="0">
+                <a:solidFill>
+                  <a:srgbClr val="000000"/>
+                </a:solidFill>
+                <a:latin typeface="Arial" panose="020B0604020202020204" pitchFamily="34" charset="0"/>
+              </a:rPr>
+              <a:t>CREATE ACCOUNT </a:t>
+            </a:r>
+            <a:r>
+              <a:rPr lang="en-US" dirty="0" smtClean="0">
+                <a:solidFill>
+                  <a:srgbClr val="000000"/>
+                </a:solidFill>
+                <a:latin typeface="Arial" panose="020B0604020202020204" pitchFamily="34" charset="0"/>
+              </a:rPr>
+              <a:t>button</a:t>
+            </a:r>
+            <a:r>
+              <a:rPr lang="en-US" b="1" dirty="0" smtClean="0">
+                <a:solidFill>
+                  <a:srgbClr val="000000"/>
+                </a:solidFill>
+                <a:latin typeface="Arial" panose="020B0604020202020204" pitchFamily="34" charset="0"/>
+              </a:rPr>
+              <a:t> </a:t>
+            </a:r>
+            <a:r>
+              <a:rPr lang="en-US" dirty="0" smtClean="0">
+                <a:solidFill>
+                  <a:srgbClr val="000000"/>
+                </a:solidFill>
+                <a:latin typeface="Arial" panose="020B0604020202020204" pitchFamily="34" charset="0"/>
+              </a:rPr>
+              <a:t>and then he/she required </a:t>
+            </a:r>
+            <a:r>
+              <a:rPr lang="en-US" dirty="0">
+                <a:solidFill>
+                  <a:srgbClr val="000000"/>
+                </a:solidFill>
+                <a:latin typeface="Arial" panose="020B0604020202020204" pitchFamily="34" charset="0"/>
+              </a:rPr>
+              <a:t>to </a:t>
+            </a:r>
+            <a:r>
+              <a:rPr lang="en-US" dirty="0" smtClean="0">
+                <a:solidFill>
+                  <a:srgbClr val="000000"/>
+                </a:solidFill>
+                <a:latin typeface="Arial" panose="020B0604020202020204" pitchFamily="34" charset="0"/>
+              </a:rPr>
+              <a:t>enter his/her personal information such as: First Name, Last Name, Email, Password and </a:t>
+            </a:r>
+            <a:r>
+              <a:rPr lang="en-US" dirty="0">
+                <a:solidFill>
+                  <a:srgbClr val="000000"/>
+                </a:solidFill>
+                <a:latin typeface="Arial" panose="020B0604020202020204" pitchFamily="34" charset="0"/>
+              </a:rPr>
+              <a:t>R</a:t>
+            </a:r>
+            <a:r>
+              <a:rPr lang="en-US" dirty="0" smtClean="0">
+                <a:solidFill>
+                  <a:srgbClr val="000000"/>
+                </a:solidFill>
+                <a:latin typeface="Arial" panose="020B0604020202020204" pitchFamily="34" charset="0"/>
+              </a:rPr>
+              <a:t>epeat </a:t>
+            </a:r>
+            <a:r>
+              <a:rPr lang="en-US" dirty="0">
+                <a:solidFill>
+                  <a:srgbClr val="000000"/>
+                </a:solidFill>
+                <a:latin typeface="Arial" panose="020B0604020202020204" pitchFamily="34" charset="0"/>
+              </a:rPr>
+              <a:t>P</a:t>
+            </a:r>
+            <a:r>
+              <a:rPr lang="en-US" dirty="0" smtClean="0">
+                <a:solidFill>
+                  <a:srgbClr val="000000"/>
+                </a:solidFill>
+                <a:latin typeface="Arial" panose="020B0604020202020204" pitchFamily="34" charset="0"/>
+              </a:rPr>
+              <a:t>assword and then Submit the information. </a:t>
+            </a:r>
+            <a:endParaRPr lang="en-US" dirty="0"/>
+          </a:p>
+          <a:p>
+            <a:r>
+              <a:rPr lang="en-US" dirty="0"/>
+              <a:t/>
+            </a:r>
+            <a:br>
+              <a:rPr lang="en-US" dirty="0"/>
+            </a:br>
+            <a:endParaRPr lang="en-US" dirty="0"/>
+          </a:p>
+        </p:txBody>
+      </p:sp>
+      <p:sp>
+        <p:nvSpPr>
+          <p:cNvPr id="7" name="Right Arrow 6"/>
+          <p:cNvSpPr/>
+          <p:nvPr/>
+        </p:nvSpPr>
+        <p:spPr>
+          <a:xfrm>
+            <a:off x="4610269" y="3025054"/>
+            <a:ext cx="540327" cy="180109"/>
+          </a:xfrm>
+          <a:prstGeom prst="rightArrow">
+            <a:avLst/>
+          </a:prstGeom>
+        </p:spPr>
+        <p:style>
+          <a:lnRef idx="2">
+            <a:schemeClr val="accent1">
+              <a:shade val="50000"/>
+            </a:schemeClr>
+          </a:lnRef>
+          <a:fillRef idx="1">
+            <a:schemeClr val="accent1"/>
+          </a:fillRef>
+          <a:effectRef idx="0">
+            <a:schemeClr val="accent1"/>
+          </a:effectRef>
+          <a:fontRef idx="minor">
+            <a:schemeClr val="lt1"/>
+          </a:fontRef>
+        </p:style>
+        <p:txBody>
+          <a:bodyPr rtlCol="0" anchor="ctr"/>
+          <a:lstStyle/>
+          <a:p>
+            <a:pPr algn="ctr"/>
+            <a:endParaRPr lang="en-US"/>
+          </a:p>
+        </p:txBody>
+      </p:sp>
     </p:spTree>
     <p:extLst>
       <p:ext uri="{BB962C8B-B14F-4D97-AF65-F5344CB8AC3E}">
-        <p14:creationId xmlns:p14="http://schemas.microsoft.com/office/powerpoint/2010/main" val="1036455880"/>
+        <p14:creationId xmlns:p14="http://schemas.microsoft.com/office/powerpoint/2010/main" val="3218270568"/>
       </p:ext>
     </p:extLst>
   </p:cSld>
   <p:clrMapOvr>
     <a:masterClrMapping/>
   </p:clrMapOvr>
+  <p:timing>
+    <p:tnLst>
+      <p:par>
+        <p:cTn id="1" dur="indefinite" restart="never" nodeType="tmRoot"/>
+      </p:par>
+    </p:tnLst>
+  </p:timing>
 </p:sld>
 </file>
 
@@ -4659,77 +6061,6 @@
           </a:p>
         </p:txBody>
       </p:sp>
-      <p:sp>
-        <p:nvSpPr>
-          <p:cNvPr id="5" name="Rectangle 4"/>
-          <p:cNvSpPr/>
-          <p:nvPr/>
-        </p:nvSpPr>
-        <p:spPr>
-          <a:xfrm>
-            <a:off x="5905841" y="3177454"/>
-            <a:ext cx="4070672" cy="1754326"/>
-          </a:xfrm>
-          <a:prstGeom prst="rect">
-            <a:avLst/>
-          </a:prstGeom>
-        </p:spPr>
-        <p:txBody>
-          <a:bodyPr wrap="square">
-            <a:spAutoFit/>
-          </a:bodyPr>
-          <a:lstStyle/>
-          <a:p>
-            <a:r>
-              <a:rPr lang="en-US" dirty="0">
-                <a:solidFill>
-                  <a:srgbClr val="000000"/>
-                </a:solidFill>
-                <a:latin typeface="Arial" panose="020B0604020202020204" pitchFamily="34" charset="0"/>
-              </a:rPr>
-              <a:t>The user is required to </a:t>
-            </a:r>
-            <a:r>
-              <a:rPr lang="en-US" dirty="0" smtClean="0">
-                <a:solidFill>
-                  <a:srgbClr val="000000"/>
-                </a:solidFill>
-                <a:latin typeface="Arial" panose="020B0604020202020204" pitchFamily="34" charset="0"/>
-              </a:rPr>
-              <a:t>make a selection  in </a:t>
-            </a:r>
-            <a:r>
-              <a:rPr lang="en-US" b="1" dirty="0" smtClean="0">
-                <a:solidFill>
-                  <a:srgbClr val="000000"/>
-                </a:solidFill>
-                <a:latin typeface="Arial" panose="020B0604020202020204" pitchFamily="34" charset="0"/>
-              </a:rPr>
-              <a:t>ZONES DESCRIPTION </a:t>
-            </a:r>
-            <a:r>
-              <a:rPr lang="en-US" dirty="0" smtClean="0">
-                <a:solidFill>
-                  <a:srgbClr val="000000"/>
-                </a:solidFill>
-                <a:latin typeface="Arial" panose="020B0604020202020204" pitchFamily="34" charset="0"/>
-              </a:rPr>
-              <a:t>to see Temperature, Occupancy, Plug Load, and/or Artificial Lighting.</a:t>
-            </a:r>
-            <a:endParaRPr lang="en-US" dirty="0"/>
-          </a:p>
-          <a:p>
-            <a:r>
-              <a:rPr lang="en-US" dirty="0"/>
-              <a:t/>
-            </a:r>
-            <a:br>
-              <a:rPr lang="en-US" dirty="0"/>
-            </a:br>
-            <a:endParaRPr lang="en-US" dirty="0"/>
-          </a:p>
-        </p:txBody>
-      </p:sp>
       <p:pic>
         <p:nvPicPr>
           <p:cNvPr id="3" name="Picture 2"/>
@@ -4752,24 +6083,133 @@
         </p:blipFill>
         <p:spPr>
           <a:xfrm>
-            <a:off x="2484294" y="1904889"/>
-            <a:ext cx="2687160" cy="4299455"/>
+            <a:off x="1223531" y="1737360"/>
+            <a:ext cx="2877414" cy="4603863"/>
           </a:xfrm>
           <a:prstGeom prst="rect">
             <a:avLst/>
           </a:prstGeom>
         </p:spPr>
       </p:pic>
+      <p:sp>
+        <p:nvSpPr>
+          <p:cNvPr id="4" name="Right Arrow 3"/>
+          <p:cNvSpPr/>
+          <p:nvPr/>
+        </p:nvSpPr>
+        <p:spPr>
+          <a:xfrm>
+            <a:off x="4610269" y="3025054"/>
+            <a:ext cx="540327" cy="180109"/>
+          </a:xfrm>
+          <a:prstGeom prst="rightArrow">
+            <a:avLst/>
+          </a:prstGeom>
+        </p:spPr>
+        <p:style>
+          <a:lnRef idx="2">
+            <a:schemeClr val="accent1">
+              <a:shade val="50000"/>
+            </a:schemeClr>
+          </a:lnRef>
+          <a:fillRef idx="1">
+            <a:schemeClr val="accent1"/>
+          </a:fillRef>
+          <a:effectRef idx="0">
+            <a:schemeClr val="accent1"/>
+          </a:effectRef>
+          <a:fontRef idx="minor">
+            <a:schemeClr val="lt1"/>
+          </a:fontRef>
+        </p:style>
+        <p:txBody>
+          <a:bodyPr rtlCol="0" anchor="ctr"/>
+          <a:lstStyle/>
+          <a:p>
+            <a:pPr algn="ctr"/>
+            <a:endParaRPr lang="en-US"/>
+          </a:p>
+        </p:txBody>
+      </p:sp>
+      <p:sp>
+        <p:nvSpPr>
+          <p:cNvPr id="6" name="Rectangle 5"/>
+          <p:cNvSpPr/>
+          <p:nvPr/>
+        </p:nvSpPr>
+        <p:spPr>
+          <a:xfrm>
+            <a:off x="5382139" y="2926857"/>
+            <a:ext cx="5341280" cy="923330"/>
+          </a:xfrm>
+          <a:prstGeom prst="rect">
+            <a:avLst/>
+          </a:prstGeom>
+        </p:spPr>
+        <p:txBody>
+          <a:bodyPr wrap="square">
+            <a:spAutoFit/>
+          </a:bodyPr>
+          <a:lstStyle/>
+          <a:p>
+            <a:r>
+              <a:rPr lang="en-US" dirty="0" smtClean="0">
+                <a:solidFill>
+                  <a:srgbClr val="000000"/>
+                </a:solidFill>
+                <a:latin typeface="Arial" panose="020B0604020202020204" pitchFamily="34" charset="0"/>
+              </a:rPr>
+              <a:t>The user can </a:t>
+            </a:r>
+            <a:r>
+              <a:rPr lang="en-US" b="1" dirty="0" smtClean="0">
+                <a:solidFill>
+                  <a:srgbClr val="000000"/>
+                </a:solidFill>
+                <a:latin typeface="Arial" panose="020B0604020202020204" pitchFamily="34" charset="0"/>
+              </a:rPr>
+              <a:t>ADD A ZONE </a:t>
+            </a:r>
+            <a:r>
+              <a:rPr lang="en-US" dirty="0" smtClean="0">
+                <a:solidFill>
+                  <a:srgbClr val="000000"/>
+                </a:solidFill>
+                <a:latin typeface="Arial" panose="020B0604020202020204" pitchFamily="34" charset="0"/>
+              </a:rPr>
+              <a:t>to his/her Account. </a:t>
+            </a:r>
+            <a:endParaRPr lang="en-US" dirty="0"/>
+          </a:p>
+          <a:p>
+            <a:r>
+              <a:rPr lang="en-US" dirty="0"/>
+              <a:t/>
+            </a:r>
+            <a:br>
+              <a:rPr lang="en-US" dirty="0"/>
+            </a:br>
+            <a:endParaRPr lang="en-US" dirty="0"/>
+          </a:p>
+        </p:txBody>
+      </p:sp>
     </p:spTree>
     <p:extLst>
       <p:ext uri="{BB962C8B-B14F-4D97-AF65-F5344CB8AC3E}">
-        <p14:creationId xmlns:p14="http://schemas.microsoft.com/office/powerpoint/2010/main" val="2418400553"/>
+        <p14:creationId xmlns:p14="http://schemas.microsoft.com/office/powerpoint/2010/main" val="256312220"/>
       </p:ext>
     </p:extLst>
   </p:cSld>
   <p:clrMapOvr>
     <a:masterClrMapping/>
   </p:clrMapOvr>
+  <p:timing>
+    <p:tnLst>
+      <p:par>
+        <p:cTn id="1" dur="indefinite" restart="never" nodeType="tmRoot"/>
+      </p:par>
+    </p:tnLst>
+  </p:timing>
 </p:sld>
 </file>
 
@@ -4800,29 +6240,37 @@
             <p:ph type="title"/>
           </p:nvPr>
         </p:nvSpPr>
-        <p:spPr/>
+        <p:spPr>
+          <a:xfrm>
+            <a:off x="1124575" y="272955"/>
+            <a:ext cx="10058400" cy="1450757"/>
+          </a:xfrm>
+        </p:spPr>
         <p:txBody>
           <a:bodyPr/>
           <a:lstStyle/>
           <a:p>
             <a:r>
               <a:rPr lang="en-US" dirty="0" smtClean="0"/>
-              <a:t>Step 4</a:t>
-            </a:r>
-            <a:endParaRPr lang="en-US" dirty="0"/>
-          </a:p>
-        </p:txBody>
-      </p:sp>
-      <p:sp>
-        <p:nvSpPr>
-          <p:cNvPr id="4" name="Rectangle 3"/>
+              <a:t>Step </a:t>
+            </a:r>
+            <a:r>
+              <a:rPr lang="en-US" dirty="0"/>
+              <a:t>4</a:t>
+            </a:r>
+          </a:p>
+        </p:txBody>
+      </p:sp>
+      <p:sp>
+        <p:nvSpPr>
+          <p:cNvPr id="3" name="Rectangle 2"/>
           <p:cNvSpPr/>
           <p:nvPr/>
         </p:nvSpPr>
         <p:spPr>
           <a:xfrm>
-            <a:off x="6054602" y="2921334"/>
-            <a:ext cx="4016081" cy="2339102"/>
+            <a:off x="5200830" y="2122252"/>
+            <a:ext cx="4594333" cy="923330"/>
           </a:xfrm>
           <a:prstGeom prst="rect">
             <a:avLst/>
@@ -4841,7 +6289,16 @@
                 </a:solidFill>
                 <a:latin typeface="Arial" panose="020B0604020202020204" pitchFamily="34" charset="0"/>
               </a:rPr>
-              <a:t>The user </a:t>
+              <a:t>The user is required to </a:t>
+            </a:r>
+            <a:r>
+              <a:rPr lang="en-US" b="1" dirty="0" smtClean="0">
+                <a:solidFill>
+                  <a:srgbClr val="000000"/>
+                </a:solidFill>
+                <a:latin typeface="Arial" panose="020B0604020202020204" pitchFamily="34" charset="0"/>
+              </a:rPr>
+              <a:t>SELECT A ZONE </a:t>
             </a:r>
             <a:r>
               <a:rPr lang="en-US" dirty="0" smtClean="0">
@@ -4850,16 +6307,16 @@
                 </a:solidFill>
                 <a:latin typeface="Arial" panose="020B0604020202020204" pitchFamily="34" charset="0"/>
               </a:rPr>
-              <a:t>can see the </a:t>
-            </a:r>
-            <a:r>
-              <a:rPr lang="en-US" b="1" dirty="0" smtClean="0">
+              <a:t>where </a:t>
+            </a:r>
+            <a:r>
+              <a:rPr lang="en-US" dirty="0">
                 <a:solidFill>
                   <a:srgbClr val="000000"/>
                 </a:solidFill>
                 <a:latin typeface="Arial" panose="020B0604020202020204" pitchFamily="34" charset="0"/>
               </a:rPr>
-              <a:t>TEMPERATURE</a:t>
+              <a:t>he/she can see the </a:t>
             </a:r>
             <a:r>
               <a:rPr lang="en-US" dirty="0" smtClean="0">
@@ -4868,36 +6325,8 @@
                 </a:solidFill>
                 <a:latin typeface="Arial" panose="020B0604020202020204" pitchFamily="34" charset="0"/>
               </a:rPr>
-              <a:t> of one specific zone that had a previous selection and he/she is enable to make </a:t>
-            </a:r>
-            <a:r>
-              <a:rPr lang="en-US" sz="2000" b="1" dirty="0" smtClean="0">
-                <a:solidFill>
-                  <a:srgbClr val="000000"/>
-                </a:solidFill>
-                <a:latin typeface="Arial" panose="020B0604020202020204" pitchFamily="34" charset="0"/>
-              </a:rPr>
-              <a:t>REFRESH</a:t>
-            </a:r>
-            <a:r>
-              <a:rPr lang="en-US" dirty="0" smtClean="0">
-                <a:solidFill>
-                  <a:srgbClr val="000000"/>
-                </a:solidFill>
-                <a:latin typeface="Arial" panose="020B0604020202020204" pitchFamily="34" charset="0"/>
-              </a:rPr>
-              <a:t> in order to be able to always update the information.</a:t>
-            </a:r>
-            <a:endParaRPr lang="en-US" dirty="0"/>
-          </a:p>
-          <a:p>
-            <a:r>
-              <a:rPr lang="en-US" dirty="0"/>
-              <a:t/>
-            </a:r>
-            <a:br>
-              <a:rPr lang="en-US" dirty="0"/>
-            </a:br>
+              <a:t>different options for energy performance.</a:t>
+            </a:r>
             <a:endParaRPr lang="en-US" dirty="0"/>
           </a:p>
         </p:txBody>
@@ -4924,24 +6353,161 @@
         </p:blipFill>
         <p:spPr>
           <a:xfrm>
-            <a:off x="2221057" y="1856510"/>
-            <a:ext cx="2718953" cy="4350325"/>
+            <a:off x="1223529" y="1723712"/>
+            <a:ext cx="2891271" cy="4626034"/>
           </a:xfrm>
           <a:prstGeom prst="rect">
             <a:avLst/>
           </a:prstGeom>
         </p:spPr>
       </p:pic>
+      <p:sp>
+        <p:nvSpPr>
+          <p:cNvPr id="6" name="Right Arrow 5"/>
+          <p:cNvSpPr/>
+          <p:nvPr/>
+        </p:nvSpPr>
+        <p:spPr>
+          <a:xfrm>
+            <a:off x="4387652" y="2514598"/>
+            <a:ext cx="540327" cy="180109"/>
+          </a:xfrm>
+          <a:prstGeom prst="rightArrow">
+            <a:avLst/>
+          </a:prstGeom>
+        </p:spPr>
+        <p:style>
+          <a:lnRef idx="2">
+            <a:schemeClr val="accent1">
+              <a:shade val="50000"/>
+            </a:schemeClr>
+          </a:lnRef>
+          <a:fillRef idx="1">
+            <a:schemeClr val="accent1"/>
+          </a:fillRef>
+          <a:effectRef idx="0">
+            <a:schemeClr val="accent1"/>
+          </a:effectRef>
+          <a:fontRef idx="minor">
+            <a:schemeClr val="lt1"/>
+          </a:fontRef>
+        </p:style>
+        <p:txBody>
+          <a:bodyPr rtlCol="0" anchor="ctr"/>
+          <a:lstStyle/>
+          <a:p>
+            <a:pPr algn="ctr"/>
+            <a:endParaRPr lang="en-US"/>
+          </a:p>
+        </p:txBody>
+      </p:sp>
+      <p:sp>
+        <p:nvSpPr>
+          <p:cNvPr id="7" name="Right Arrow 6"/>
+          <p:cNvSpPr/>
+          <p:nvPr/>
+        </p:nvSpPr>
+        <p:spPr>
+          <a:xfrm>
+            <a:off x="4387652" y="4946073"/>
+            <a:ext cx="540327" cy="159324"/>
+          </a:xfrm>
+          <a:prstGeom prst="rightArrow">
+            <a:avLst/>
+          </a:prstGeom>
+        </p:spPr>
+        <p:style>
+          <a:lnRef idx="2">
+            <a:schemeClr val="accent1">
+              <a:shade val="50000"/>
+            </a:schemeClr>
+          </a:lnRef>
+          <a:fillRef idx="1">
+            <a:schemeClr val="accent1"/>
+          </a:fillRef>
+          <a:effectRef idx="0">
+            <a:schemeClr val="accent1"/>
+          </a:effectRef>
+          <a:fontRef idx="minor">
+            <a:schemeClr val="lt1"/>
+          </a:fontRef>
+        </p:style>
+        <p:txBody>
+          <a:bodyPr rtlCol="0" anchor="ctr"/>
+          <a:lstStyle/>
+          <a:p>
+            <a:pPr algn="ctr"/>
+            <a:endParaRPr lang="en-US"/>
+          </a:p>
+        </p:txBody>
+      </p:sp>
+      <p:sp>
+        <p:nvSpPr>
+          <p:cNvPr id="8" name="TextBox 7"/>
+          <p:cNvSpPr txBox="1"/>
+          <p:nvPr/>
+        </p:nvSpPr>
+        <p:spPr>
+          <a:xfrm>
+            <a:off x="5375564" y="4599709"/>
+            <a:ext cx="4862945" cy="923330"/>
+          </a:xfrm>
+          <a:prstGeom prst="rect">
+            <a:avLst/>
+          </a:prstGeom>
+          <a:noFill/>
+        </p:spPr>
+        <p:txBody>
+          <a:bodyPr wrap="square" rtlCol="0">
+            <a:spAutoFit/>
+          </a:bodyPr>
+          <a:lstStyle/>
+          <a:p>
+            <a:r>
+              <a:rPr lang="en-US" dirty="0" smtClean="0">
+                <a:latin typeface="Arial" panose="020B0604020202020204" pitchFamily="34" charset="0"/>
+                <a:cs typeface="Arial" panose="020B0604020202020204" pitchFamily="34" charset="0"/>
+              </a:rPr>
+              <a:t>The user can see </a:t>
+            </a:r>
+            <a:r>
+              <a:rPr lang="en-US" b="1" dirty="0" smtClean="0">
+                <a:latin typeface="Arial" panose="020B0604020202020204" pitchFamily="34" charset="0"/>
+                <a:cs typeface="Arial" panose="020B0604020202020204" pitchFamily="34" charset="0"/>
+              </a:rPr>
+              <a:t>REWARDS</a:t>
+            </a:r>
+            <a:r>
+              <a:rPr lang="en-US" dirty="0" smtClean="0">
+                <a:latin typeface="Arial" panose="020B0604020202020204" pitchFamily="34" charset="0"/>
+                <a:cs typeface="Arial" panose="020B0604020202020204" pitchFamily="34" charset="0"/>
+              </a:rPr>
+              <a:t> for turning off the lights before leaving the room and also for little consumption of energy in plug load.</a:t>
+            </a:r>
+            <a:endParaRPr lang="en-US" dirty="0">
+              <a:latin typeface="Arial" panose="020B0604020202020204" pitchFamily="34" charset="0"/>
+              <a:cs typeface="Arial" panose="020B0604020202020204" pitchFamily="34" charset="0"/>
+            </a:endParaRPr>
+          </a:p>
+        </p:txBody>
+      </p:sp>
     </p:spTree>
     <p:extLst>
       <p:ext uri="{BB962C8B-B14F-4D97-AF65-F5344CB8AC3E}">
-        <p14:creationId xmlns:p14="http://schemas.microsoft.com/office/powerpoint/2010/main" val="1751208714"/>
+        <p14:creationId xmlns:p14="http://schemas.microsoft.com/office/powerpoint/2010/main" val="1036455880"/>
       </p:ext>
     </p:extLst>
   </p:cSld>
   <p:clrMapOvr>
     <a:masterClrMapping/>
   </p:clrMapOvr>
+  <p:timing>
+    <p:tnLst>
+      <p:par>
+        <p:cTn id="1" dur="indefinite" restart="never" nodeType="tmRoot"/>
+      </p:par>
+    </p:tnLst>
+  </p:timing>
 </p:sld>
 </file>
 
@@ -4979,7 +6545,300 @@
           <a:p>
             <a:r>
               <a:rPr lang="en-US" dirty="0" smtClean="0"/>
-              <a:t>Step 5</a:t>
+              <a:t>Step </a:t>
+            </a:r>
+            <a:r>
+              <a:rPr lang="en-US" dirty="0"/>
+              <a:t>5</a:t>
+            </a:r>
+          </a:p>
+        </p:txBody>
+      </p:sp>
+      <p:sp>
+        <p:nvSpPr>
+          <p:cNvPr id="5" name="Rectangle 4"/>
+          <p:cNvSpPr/>
+          <p:nvPr/>
+        </p:nvSpPr>
+        <p:spPr>
+          <a:xfrm>
+            <a:off x="4996464" y="4271965"/>
+            <a:ext cx="6159215" cy="1200329"/>
+          </a:xfrm>
+          <a:prstGeom prst="rect">
+            <a:avLst/>
+          </a:prstGeom>
+        </p:spPr>
+        <p:txBody>
+          <a:bodyPr wrap="square">
+            <a:spAutoFit/>
+          </a:bodyPr>
+          <a:lstStyle/>
+          <a:p>
+            <a:r>
+              <a:rPr lang="en-US" dirty="0">
+                <a:solidFill>
+                  <a:srgbClr val="000000"/>
+                </a:solidFill>
+                <a:latin typeface="Arial" panose="020B0604020202020204" pitchFamily="34" charset="0"/>
+                <a:cs typeface="Arial" panose="020B0604020202020204" pitchFamily="34" charset="0"/>
+              </a:rPr>
+              <a:t>The user is required to </a:t>
+            </a:r>
+            <a:r>
+              <a:rPr lang="en-US" dirty="0" smtClean="0">
+                <a:solidFill>
+                  <a:srgbClr val="000000"/>
+                </a:solidFill>
+                <a:latin typeface="Arial" panose="020B0604020202020204" pitchFamily="34" charset="0"/>
+                <a:cs typeface="Arial" panose="020B0604020202020204" pitchFamily="34" charset="0"/>
+              </a:rPr>
+              <a:t>make a selection  in </a:t>
+            </a:r>
+            <a:r>
+              <a:rPr lang="en-US" b="1" dirty="0" smtClean="0">
+                <a:solidFill>
+                  <a:srgbClr val="000000"/>
+                </a:solidFill>
+                <a:latin typeface="Arial" panose="020B0604020202020204" pitchFamily="34" charset="0"/>
+                <a:cs typeface="Arial" panose="020B0604020202020204" pitchFamily="34" charset="0"/>
+              </a:rPr>
+              <a:t>ZONES DESCRIPTION </a:t>
+            </a:r>
+            <a:r>
+              <a:rPr lang="en-US" dirty="0" smtClean="0">
+                <a:solidFill>
+                  <a:srgbClr val="000000"/>
+                </a:solidFill>
+                <a:latin typeface="Arial" panose="020B0604020202020204" pitchFamily="34" charset="0"/>
+                <a:cs typeface="Arial" panose="020B0604020202020204" pitchFamily="34" charset="0"/>
+              </a:rPr>
+              <a:t>to see Temperature, Occupancy, Plug Load, Lighting, Predict Air Conditioning and/or Predict Consumption of Appliances.</a:t>
+            </a:r>
+            <a:endParaRPr lang="en-US" dirty="0">
+              <a:latin typeface="Arial" panose="020B0604020202020204" pitchFamily="34" charset="0"/>
+              <a:cs typeface="Arial" panose="020B0604020202020204" pitchFamily="34" charset="0"/>
+            </a:endParaRPr>
+          </a:p>
+        </p:txBody>
+      </p:sp>
+      <p:pic>
+        <p:nvPicPr>
+          <p:cNvPr id="4" name="Picture 3"/>
+          <p:cNvPicPr>
+            <a:picLocks noChangeAspect="1"/>
+          </p:cNvPicPr>
+          <p:nvPr/>
+        </p:nvPicPr>
+        <p:blipFill>
+          <a:blip r:embed="rId2" cstate="print">
+            <a:extLst>
+              <a:ext uri="{28A0092B-C50C-407E-A947-70E740481C1C}">
+                <a14:useLocalDpi xmlns:a14="http://schemas.microsoft.com/office/drawing/2010/main" val="0"/>
+              </a:ext>
+            </a:extLst>
+          </a:blip>
+          <a:stretch>
+            <a:fillRect/>
+          </a:stretch>
+        </p:blipFill>
+        <p:spPr>
+          <a:xfrm>
+            <a:off x="1190608" y="1737360"/>
+            <a:ext cx="2881405" cy="4610248"/>
+          </a:xfrm>
+          <a:prstGeom prst="rect">
+            <a:avLst/>
+          </a:prstGeom>
+        </p:spPr>
+      </p:pic>
+      <p:sp>
+        <p:nvSpPr>
+          <p:cNvPr id="6" name="Right Arrow 5"/>
+          <p:cNvSpPr/>
+          <p:nvPr/>
+        </p:nvSpPr>
+        <p:spPr>
+          <a:xfrm>
+            <a:off x="4359153" y="3018130"/>
+            <a:ext cx="540327" cy="159324"/>
+          </a:xfrm>
+          <a:prstGeom prst="rightArrow">
+            <a:avLst/>
+          </a:prstGeom>
+        </p:spPr>
+        <p:style>
+          <a:lnRef idx="2">
+            <a:schemeClr val="accent1">
+              <a:shade val="50000"/>
+            </a:schemeClr>
+          </a:lnRef>
+          <a:fillRef idx="1">
+            <a:schemeClr val="accent1"/>
+          </a:fillRef>
+          <a:effectRef idx="0">
+            <a:schemeClr val="accent1"/>
+          </a:effectRef>
+          <a:fontRef idx="minor">
+            <a:schemeClr val="lt1"/>
+          </a:fontRef>
+        </p:style>
+        <p:txBody>
+          <a:bodyPr rtlCol="0" anchor="ctr"/>
+          <a:lstStyle/>
+          <a:p>
+            <a:pPr algn="ctr"/>
+            <a:endParaRPr lang="en-US"/>
+          </a:p>
+        </p:txBody>
+      </p:sp>
+      <p:sp>
+        <p:nvSpPr>
+          <p:cNvPr id="7" name="Right Arrow 6"/>
+          <p:cNvSpPr/>
+          <p:nvPr/>
+        </p:nvSpPr>
+        <p:spPr>
+          <a:xfrm>
+            <a:off x="4264075" y="4749948"/>
+            <a:ext cx="540327" cy="159324"/>
+          </a:xfrm>
+          <a:prstGeom prst="rightArrow">
+            <a:avLst/>
+          </a:prstGeom>
+        </p:spPr>
+        <p:style>
+          <a:lnRef idx="2">
+            <a:schemeClr val="accent1">
+              <a:shade val="50000"/>
+            </a:schemeClr>
+          </a:lnRef>
+          <a:fillRef idx="1">
+            <a:schemeClr val="accent1"/>
+          </a:fillRef>
+          <a:effectRef idx="0">
+            <a:schemeClr val="accent1"/>
+          </a:effectRef>
+          <a:fontRef idx="minor">
+            <a:schemeClr val="lt1"/>
+          </a:fontRef>
+        </p:style>
+        <p:txBody>
+          <a:bodyPr rtlCol="0" anchor="ctr"/>
+          <a:lstStyle/>
+          <a:p>
+            <a:pPr algn="ctr"/>
+            <a:endParaRPr lang="en-US"/>
+          </a:p>
+        </p:txBody>
+      </p:sp>
+      <p:sp>
+        <p:nvSpPr>
+          <p:cNvPr id="8" name="TextBox 7"/>
+          <p:cNvSpPr txBox="1"/>
+          <p:nvPr/>
+        </p:nvSpPr>
+        <p:spPr>
+          <a:xfrm>
+            <a:off x="5043050" y="2907290"/>
+            <a:ext cx="4959927" cy="646331"/>
+          </a:xfrm>
+          <a:prstGeom prst="rect">
+            <a:avLst/>
+          </a:prstGeom>
+          <a:noFill/>
+        </p:spPr>
+        <p:txBody>
+          <a:bodyPr wrap="square" rtlCol="0">
+            <a:spAutoFit/>
+          </a:bodyPr>
+          <a:lstStyle/>
+          <a:p>
+            <a:r>
+              <a:rPr lang="en-US" dirty="0">
+                <a:solidFill>
+                  <a:srgbClr val="000000"/>
+                </a:solidFill>
+                <a:latin typeface="Arial" panose="020B0604020202020204" pitchFamily="34" charset="0"/>
+                <a:cs typeface="Arial" panose="020B0604020202020204" pitchFamily="34" charset="0"/>
+              </a:rPr>
+              <a:t>General</a:t>
+            </a:r>
+            <a:r>
+              <a:rPr lang="en-US" dirty="0" smtClean="0">
+                <a:latin typeface="Arial" panose="020B0604020202020204" pitchFamily="34" charset="0"/>
+                <a:cs typeface="Arial" panose="020B0604020202020204" pitchFamily="34" charset="0"/>
+              </a:rPr>
+              <a:t> </a:t>
+            </a:r>
+            <a:r>
+              <a:rPr lang="en-US" dirty="0">
+                <a:solidFill>
+                  <a:srgbClr val="000000"/>
+                </a:solidFill>
+                <a:latin typeface="Arial" panose="020B0604020202020204" pitchFamily="34" charset="0"/>
+                <a:cs typeface="Arial" panose="020B0604020202020204" pitchFamily="34" charset="0"/>
+              </a:rPr>
+              <a:t>graphic information of Plug Load and Lighting </a:t>
+            </a:r>
+          </a:p>
+        </p:txBody>
+      </p:sp>
+    </p:spTree>
+    <p:extLst>
+      <p:ext uri="{BB962C8B-B14F-4D97-AF65-F5344CB8AC3E}">
+        <p14:creationId xmlns:p14="http://schemas.microsoft.com/office/powerpoint/2010/main" val="2418400553"/>
+      </p:ext>
+    </p:extLst>
+  </p:cSld>
+  <p:clrMapOvr>
+    <a:masterClrMapping/>
+  </p:clrMapOvr>
+  <p:timing>
+    <p:tnLst>
+      <p:par>
+        <p:cTn id="1" dur="indefinite" restart="never" nodeType="tmRoot"/>
+      </p:par>
+    </p:tnLst>
+  </p:timing>
+</p:sld>
+</file>
+
+<file path=ppt/slides/slide8.xml><?xml version="1.0" encoding="utf-8"?>
+<p:sld xmlns:a="http://schemas.openxmlformats.org/drawingml/2006/main" xmlns:r="http://schemas.openxmlformats.org/officeDocument/2006/relationships" xmlns:p="http://schemas.openxmlformats.org/presentationml/2006/main">
+  <p:cSld>
+    <p:spTree>
+      <p:nvGrpSpPr>
+        <p:cNvPr id="1" name=""/>
+        <p:cNvGrpSpPr/>
+        <p:nvPr/>
+      </p:nvGrpSpPr>
+      <p:grpSpPr>
+        <a:xfrm>
+          <a:off x="0" y="0"/>
+          <a:ext cx="0" cy="0"/>
+          <a:chOff x="0" y="0"/>
+          <a:chExt cx="0" cy="0"/>
+        </a:xfrm>
+      </p:grpSpPr>
+      <p:sp>
+        <p:nvSpPr>
+          <p:cNvPr id="2" name="Title 1"/>
+          <p:cNvSpPr>
+            <a:spLocks noGrp="1"/>
+          </p:cNvSpPr>
+          <p:nvPr>
+            <p:ph type="title"/>
+          </p:nvPr>
+        </p:nvSpPr>
+        <p:spPr/>
+        <p:txBody>
+          <a:bodyPr/>
+          <a:lstStyle/>
+          <a:p>
+            <a:r>
+              <a:rPr lang="en-US" dirty="0" smtClean="0"/>
+              <a:t>Step 6</a:t>
             </a:r>
             <a:endParaRPr lang="en-US" dirty="0"/>
           </a:p>
@@ -4993,8 +6852,8 @@
         </p:nvSpPr>
         <p:spPr>
           <a:xfrm>
-            <a:off x="5559188" y="3045459"/>
-            <a:ext cx="4403678" cy="1508105"/>
+            <a:off x="5070929" y="2408715"/>
+            <a:ext cx="5777180" cy="2062103"/>
           </a:xfrm>
           <a:prstGeom prst="rect">
             <a:avLst/>
@@ -5013,7 +6872,16 @@
                 </a:solidFill>
                 <a:latin typeface="Arial" panose="020B0604020202020204" pitchFamily="34" charset="0"/>
               </a:rPr>
-              <a:t>The user can see the </a:t>
+              <a:t>The user </a:t>
+            </a:r>
+            <a:r>
+              <a:rPr lang="en-US" dirty="0" smtClean="0">
+                <a:solidFill>
+                  <a:srgbClr val="000000"/>
+                </a:solidFill>
+                <a:latin typeface="Arial" panose="020B0604020202020204" pitchFamily="34" charset="0"/>
+              </a:rPr>
+              <a:t>can see the </a:t>
             </a:r>
             <a:r>
               <a:rPr lang="en-US" b="1" dirty="0" smtClean="0">
@@ -5022,7 +6890,7 @@
                 </a:solidFill>
                 <a:latin typeface="Arial" panose="020B0604020202020204" pitchFamily="34" charset="0"/>
               </a:rPr>
-              <a:t>OCCUPANCY</a:t>
+              <a:t>TEMPERATURE</a:t>
             </a:r>
             <a:r>
               <a:rPr lang="en-US" dirty="0" smtClean="0">
@@ -5031,35 +6899,36 @@
                 </a:solidFill>
                 <a:latin typeface="Arial" panose="020B0604020202020204" pitchFamily="34" charset="0"/>
               </a:rPr>
-              <a:t> </a:t>
-            </a:r>
-            <a:r>
-              <a:rPr lang="en-US" dirty="0">
+              <a:t> of one specific zone that had a previous selection and he/she is enable to make </a:t>
+            </a:r>
+            <a:r>
+              <a:rPr lang="en-US" sz="2000" b="1" dirty="0" smtClean="0">
                 <a:solidFill>
                   <a:srgbClr val="000000"/>
                 </a:solidFill>
                 <a:latin typeface="Arial" panose="020B0604020202020204" pitchFamily="34" charset="0"/>
               </a:rPr>
-              <a:t>of one specific zone that had a previous selection and he/she is enable to make </a:t>
-            </a:r>
-            <a:r>
-              <a:rPr lang="en-US" sz="2000" b="1" dirty="0">
+              <a:t>REFRESH</a:t>
+            </a:r>
+            <a:r>
+              <a:rPr lang="en-US" dirty="0" smtClean="0">
                 <a:solidFill>
                   <a:srgbClr val="000000"/>
                 </a:solidFill>
                 <a:latin typeface="Arial" panose="020B0604020202020204" pitchFamily="34" charset="0"/>
               </a:rPr>
-              <a:t>REFRESH</a:t>
-            </a:r>
-            <a:r>
-              <a:rPr lang="en-US" dirty="0">
-                <a:solidFill>
-                  <a:srgbClr val="000000"/>
-                </a:solidFill>
-                <a:latin typeface="Arial" panose="020B0604020202020204" pitchFamily="34" charset="0"/>
-              </a:rPr>
-              <a:t> in order to have always update it is information.</a:t>
-            </a:r>
+              <a:t> in order to be able to always update the information. Also has its graphic representation.</a:t>
+            </a:r>
+            <a:endParaRPr lang="en-US" dirty="0"/>
+          </a:p>
+          <a:p>
+            <a:r>
+              <a:rPr lang="en-US" dirty="0"/>
+              <a:t/>
+            </a:r>
+            <a:br>
+              <a:rPr lang="en-US" dirty="0"/>
+            </a:br>
             <a:endParaRPr lang="en-US" dirty="0"/>
           </a:p>
         </p:txBody>
@@ -5086,28 +6955,75 @@
         </p:blipFill>
         <p:spPr>
           <a:xfrm>
-            <a:off x="2137921" y="1842655"/>
-            <a:ext cx="2725016" cy="4360025"/>
+            <a:off x="1195821" y="1737359"/>
+            <a:ext cx="2877415" cy="4603863"/>
           </a:xfrm>
           <a:prstGeom prst="rect">
             <a:avLst/>
           </a:prstGeom>
         </p:spPr>
       </p:pic>
+      <p:sp>
+        <p:nvSpPr>
+          <p:cNvPr id="6" name="Right Arrow 5"/>
+          <p:cNvSpPr/>
+          <p:nvPr/>
+        </p:nvSpPr>
+        <p:spPr>
+          <a:xfrm>
+            <a:off x="4364264" y="2792114"/>
+            <a:ext cx="540327" cy="159324"/>
+          </a:xfrm>
+          <a:prstGeom prst="rightArrow">
+            <a:avLst/>
+          </a:prstGeom>
+        </p:spPr>
+        <p:style>
+          <a:lnRef idx="2">
+            <a:schemeClr val="accent1">
+              <a:shade val="50000"/>
+            </a:schemeClr>
+          </a:lnRef>
+          <a:fillRef idx="1">
+            <a:schemeClr val="accent1"/>
+          </a:fillRef>
+          <a:effectRef idx="0">
+            <a:schemeClr val="accent1"/>
+          </a:effectRef>
+          <a:fontRef idx="minor">
+            <a:schemeClr val="lt1"/>
+          </a:fontRef>
+        </p:style>
+        <p:txBody>
+          <a:bodyPr rtlCol="0" anchor="ctr"/>
+          <a:lstStyle/>
+          <a:p>
+            <a:pPr algn="ctr"/>
+            <a:endParaRPr lang="en-US"/>
+          </a:p>
+        </p:txBody>
+      </p:sp>
     </p:spTree>
     <p:extLst>
       <p:ext uri="{BB962C8B-B14F-4D97-AF65-F5344CB8AC3E}">
-        <p14:creationId xmlns:p14="http://schemas.microsoft.com/office/powerpoint/2010/main" val="1848104750"/>
+        <p14:creationId xmlns:p14="http://schemas.microsoft.com/office/powerpoint/2010/main" val="1751208714"/>
       </p:ext>
     </p:extLst>
   </p:cSld>
   <p:clrMapOvr>
     <a:masterClrMapping/>
   </p:clrMapOvr>
+  <p:timing>
+    <p:tnLst>
+      <p:par>
+        <p:cTn id="1" dur="indefinite" restart="never" nodeType="tmRoot"/>
+      </p:par>
+    </p:tnLst>
+  </p:timing>
 </p:sld>
 </file>
 
-<file path=ppt/slides/slide8.xml><?xml version="1.0" encoding="utf-8"?>
+<file path=ppt/slides/slide9.xml><?xml version="1.0" encoding="utf-8"?>
 <p:sld xmlns:a="http://schemas.openxmlformats.org/drawingml/2006/main" xmlns:r="http://schemas.openxmlformats.org/officeDocument/2006/relationships" xmlns:p="http://schemas.openxmlformats.org/presentationml/2006/main">
   <p:cSld>
     <p:spTree>
@@ -5141,9 +7057,12 @@
           <a:p>
             <a:r>
               <a:rPr lang="en-US" dirty="0" smtClean="0"/>
-              <a:t>Step 6</a:t>
-            </a:r>
-            <a:endParaRPr lang="en-US" dirty="0"/>
+              <a:t>Step </a:t>
+            </a:r>
+            <a:r>
+              <a:rPr lang="en-US" dirty="0"/>
+              <a:t>7</a:t>
+            </a:r>
           </a:p>
         </p:txBody>
       </p:sp>
@@ -5155,8 +7074,8 @@
         </p:nvSpPr>
         <p:spPr>
           <a:xfrm>
-            <a:off x="5559188" y="3045459"/>
-            <a:ext cx="4403678" cy="1508105"/>
+            <a:off x="5167910" y="2406918"/>
+            <a:ext cx="5652490" cy="1508105"/>
           </a:xfrm>
           <a:prstGeom prst="rect">
             <a:avLst/>
@@ -5184,7 +7103,7 @@
                 </a:solidFill>
                 <a:latin typeface="Arial" panose="020B0604020202020204" pitchFamily="34" charset="0"/>
               </a:rPr>
-              <a:t>PLUG LOAD</a:t>
+              <a:t>OCCUPANCY</a:t>
             </a:r>
             <a:r>
               <a:rPr lang="en-US" dirty="0" smtClean="0">
@@ -5220,7 +7139,7 @@
                 </a:solidFill>
                 <a:latin typeface="Arial" panose="020B0604020202020204" pitchFamily="34" charset="0"/>
               </a:rPr>
-              <a:t> in order to be able to always update the information.</a:t>
+              <a:t> in order to have always update it is information. Also has its graphic representation.</a:t>
             </a:r>
             <a:endParaRPr lang="en-US" dirty="0"/>
           </a:p>
@@ -5248,186 +7167,71 @@
         </p:blipFill>
         <p:spPr>
           <a:xfrm>
-            <a:off x="2068656" y="1829760"/>
-            <a:ext cx="2766579" cy="4426526"/>
+            <a:off x="1223528" y="1737360"/>
+            <a:ext cx="2877417" cy="4603866"/>
           </a:xfrm>
           <a:prstGeom prst="rect">
             <a:avLst/>
           </a:prstGeom>
         </p:spPr>
       </p:pic>
+      <p:sp>
+        <p:nvSpPr>
+          <p:cNvPr id="6" name="Right Arrow 5"/>
+          <p:cNvSpPr/>
+          <p:nvPr/>
+        </p:nvSpPr>
+        <p:spPr>
+          <a:xfrm>
+            <a:off x="4364264" y="2792114"/>
+            <a:ext cx="540327" cy="159324"/>
+          </a:xfrm>
+          <a:prstGeom prst="rightArrow">
+            <a:avLst/>
+          </a:prstGeom>
+        </p:spPr>
+        <p:style>
+          <a:lnRef idx="2">
+            <a:schemeClr val="accent1">
+              <a:shade val="50000"/>
+            </a:schemeClr>
+          </a:lnRef>
+          <a:fillRef idx="1">
+            <a:schemeClr val="accent1"/>
+          </a:fillRef>
+          <a:effectRef idx="0">
+            <a:schemeClr val="accent1"/>
+          </a:effectRef>
+          <a:fontRef idx="minor">
+            <a:schemeClr val="lt1"/>
+          </a:fontRef>
+        </p:style>
+        <p:txBody>
+          <a:bodyPr rtlCol="0" anchor="ctr"/>
+          <a:lstStyle/>
+          <a:p>
+            <a:pPr algn="ctr"/>
+            <a:endParaRPr lang="en-US"/>
+          </a:p>
+        </p:txBody>
+      </p:sp>
     </p:spTree>
     <p:extLst>
       <p:ext uri="{BB962C8B-B14F-4D97-AF65-F5344CB8AC3E}">
-        <p14:creationId xmlns:p14="http://schemas.microsoft.com/office/powerpoint/2010/main" val="1514309214"/>
+        <p14:creationId xmlns:p14="http://schemas.microsoft.com/office/powerpoint/2010/main" val="1848104750"/>
       </p:ext>
     </p:extLst>
   </p:cSld>
   <p:clrMapOvr>
     <a:masterClrMapping/>
   </p:clrMapOvr>
-</p:sld>
-</file>
-
-<file path=ppt/slides/slide9.xml><?xml version="1.0" encoding="utf-8"?>
-<p:sld xmlns:a="http://schemas.openxmlformats.org/drawingml/2006/main" xmlns:r="http://schemas.openxmlformats.org/officeDocument/2006/relationships" xmlns:p="http://schemas.openxmlformats.org/presentationml/2006/main">
-  <p:cSld>
-    <p:spTree>
-      <p:nvGrpSpPr>
-        <p:cNvPr id="1" name=""/>
-        <p:cNvGrpSpPr/>
-        <p:nvPr/>
-      </p:nvGrpSpPr>
-      <p:grpSpPr>
-        <a:xfrm>
-          <a:off x="0" y="0"/>
-          <a:ext cx="0" cy="0"/>
-          <a:chOff x="0" y="0"/>
-          <a:chExt cx="0" cy="0"/>
-        </a:xfrm>
-      </p:grpSpPr>
-      <p:sp>
-        <p:nvSpPr>
-          <p:cNvPr id="2" name="Title 1"/>
-          <p:cNvSpPr>
-            <a:spLocks noGrp="1"/>
-          </p:cNvSpPr>
-          <p:nvPr>
-            <p:ph type="title"/>
-          </p:nvPr>
-        </p:nvSpPr>
-        <p:spPr/>
-        <p:txBody>
-          <a:bodyPr/>
-          <a:lstStyle/>
-          <a:p>
-            <a:r>
-              <a:rPr lang="en-US" dirty="0" smtClean="0"/>
-              <a:t>Step 7</a:t>
-            </a:r>
-            <a:endParaRPr lang="en-US" dirty="0"/>
-          </a:p>
-        </p:txBody>
-      </p:sp>
-      <p:sp>
-        <p:nvSpPr>
-          <p:cNvPr id="4" name="Rectangle 3"/>
-          <p:cNvSpPr/>
-          <p:nvPr/>
-        </p:nvSpPr>
-        <p:spPr>
-          <a:xfrm>
-            <a:off x="5559188" y="3045459"/>
-            <a:ext cx="4403678" cy="1508105"/>
-          </a:xfrm>
-          <a:prstGeom prst="rect">
-            <a:avLst/>
-          </a:prstGeom>
-        </p:spPr>
-        <p:txBody>
-          <a:bodyPr wrap="square">
-            <a:spAutoFit/>
-          </a:bodyPr>
-          <a:lstStyle/>
-          <a:p>
-            <a:r>
-              <a:rPr lang="en-US" dirty="0">
-                <a:solidFill>
-                  <a:srgbClr val="000000"/>
-                </a:solidFill>
-                <a:latin typeface="Arial" panose="020B0604020202020204" pitchFamily="34" charset="0"/>
-              </a:rPr>
-              <a:t>The user can see the </a:t>
-            </a:r>
-            <a:r>
-              <a:rPr lang="en-US" b="1" dirty="0" smtClean="0">
-                <a:solidFill>
-                  <a:srgbClr val="000000"/>
-                </a:solidFill>
-                <a:latin typeface="Arial" panose="020B0604020202020204" pitchFamily="34" charset="0"/>
-              </a:rPr>
-              <a:t>LIGHTING </a:t>
-            </a:r>
-            <a:r>
-              <a:rPr lang="en-US" dirty="0" smtClean="0">
-                <a:solidFill>
-                  <a:srgbClr val="000000"/>
-                </a:solidFill>
-                <a:latin typeface="Arial" panose="020B0604020202020204" pitchFamily="34" charset="0"/>
-              </a:rPr>
-              <a:t>of </a:t>
-            </a:r>
-            <a:r>
-              <a:rPr lang="en-US" dirty="0">
-                <a:solidFill>
-                  <a:srgbClr val="000000"/>
-                </a:solidFill>
-                <a:latin typeface="Arial" panose="020B0604020202020204" pitchFamily="34" charset="0"/>
-              </a:rPr>
-              <a:t>one specific zone that had a previous selection and he/she is enable to make </a:t>
-            </a:r>
-            <a:r>
-              <a:rPr lang="en-US" sz="2000" b="1" dirty="0">
-                <a:solidFill>
-                  <a:srgbClr val="000000"/>
-                </a:solidFill>
-                <a:latin typeface="Arial" panose="020B0604020202020204" pitchFamily="34" charset="0"/>
-              </a:rPr>
-              <a:t>REFRESH</a:t>
-            </a:r>
-            <a:r>
-              <a:rPr lang="en-US" dirty="0">
-                <a:solidFill>
-                  <a:srgbClr val="000000"/>
-                </a:solidFill>
-                <a:latin typeface="Arial" panose="020B0604020202020204" pitchFamily="34" charset="0"/>
-              </a:rPr>
-              <a:t> in order to be able to always update the information.</a:t>
-            </a:r>
-            <a:endParaRPr lang="en-US" dirty="0"/>
-          </a:p>
-        </p:txBody>
-      </p:sp>
-      <p:pic>
-        <p:nvPicPr>
-          <p:cNvPr id="5" name="Picture 4"/>
-          <p:cNvPicPr>
-            <a:picLocks noChangeAspect="1"/>
-          </p:cNvPicPr>
-          <p:nvPr/>
-        </p:nvPicPr>
-        <p:blipFill>
-          <a:blip r:embed="rId2" cstate="print">
-            <a:extLst>
-              <a:ext uri="{28A0092B-C50C-407E-A947-70E740481C1C}">
-                <a14:useLocalDpi xmlns:a14="http://schemas.microsoft.com/office/drawing/2010/main" val="0"/>
-              </a:ext>
-            </a:extLst>
-          </a:blip>
-          <a:stretch>
-            <a:fillRect/>
-          </a:stretch>
-        </p:blipFill>
-        <p:spPr>
-          <a:xfrm>
-            <a:off x="2207201" y="1834343"/>
-            <a:ext cx="2758787" cy="4414058"/>
-          </a:xfrm>
-          <a:prstGeom prst="rect">
-            <a:avLst/>
-          </a:prstGeom>
-        </p:spPr>
-      </p:pic>
-    </p:spTree>
-    <p:extLst>
-      <p:ext uri="{BB962C8B-B14F-4D97-AF65-F5344CB8AC3E}">
-        <p14:creationId xmlns:p14="http://schemas.microsoft.com/office/powerpoint/2010/main" val="4215938646"/>
-      </p:ext>
-    </p:extLst>
-  </p:cSld>
-  <p:clrMapOvr>
-    <a:masterClrMapping/>
-  </p:clrMapOvr>
+  <p:timing>
+    <p:tnLst>
+      <p:par>
+        <p:cTn id="1" dur="indefinite" restart="never" nodeType="tmRoot"/>
+      </p:par>
+    </p:tnLst>
+  </p:timing>
 </p:sld>
 </file>
 
